--- a/RestSample/java-docs/java2a/java-advance-section-8-注解.pptx
+++ b/RestSample/java-docs/java2a/java-advance-section-8-注解.pptx
@@ -11,12 +11,28 @@
     <p:sldId id="350" r:id="rId5"/>
     <p:sldId id="347" r:id="rId6"/>
     <p:sldId id="351" r:id="rId7"/>
-    <p:sldId id="340" r:id="rId8"/>
-    <p:sldId id="341" r:id="rId9"/>
-    <p:sldId id="342" r:id="rId10"/>
-    <p:sldId id="343" r:id="rId11"/>
-    <p:sldId id="344" r:id="rId12"/>
-    <p:sldId id="339" r:id="rId13"/>
+    <p:sldId id="367" r:id="rId8"/>
+    <p:sldId id="340" r:id="rId9"/>
+    <p:sldId id="341" r:id="rId10"/>
+    <p:sldId id="342" r:id="rId11"/>
+    <p:sldId id="343" r:id="rId12"/>
+    <p:sldId id="352" r:id="rId13"/>
+    <p:sldId id="353" r:id="rId14"/>
+    <p:sldId id="354" r:id="rId15"/>
+    <p:sldId id="355" r:id="rId16"/>
+    <p:sldId id="344" r:id="rId17"/>
+    <p:sldId id="356" r:id="rId18"/>
+    <p:sldId id="357" r:id="rId19"/>
+    <p:sldId id="358" r:id="rId20"/>
+    <p:sldId id="359" r:id="rId21"/>
+    <p:sldId id="360" r:id="rId22"/>
+    <p:sldId id="361" r:id="rId23"/>
+    <p:sldId id="362" r:id="rId24"/>
+    <p:sldId id="363" r:id="rId25"/>
+    <p:sldId id="364" r:id="rId26"/>
+    <p:sldId id="365" r:id="rId27"/>
+    <p:sldId id="366" r:id="rId28"/>
+    <p:sldId id="339" r:id="rId29"/>
   </p:sldIdLst>
   <p:sldSz cx="12192000" cy="6858000"/>
   <p:notesSz cx="6858000" cy="9144000"/>
@@ -254,7 +270,7 @@
           <a:p>
             <a:fld id="{A4657C70-6C77-4BAA-8198-78B080AEE7B6}" type="datetimeFigureOut">
               <a:rPr lang="en-CA" smtClean="0"/>
-              <a:t>25/04/2017</a:t>
+              <a:t>01/05/2017</a:t>
             </a:fld>
             <a:endParaRPr lang="en-CA"/>
           </a:p>
@@ -424,7 +440,7 @@
           <a:p>
             <a:fld id="{A4657C70-6C77-4BAA-8198-78B080AEE7B6}" type="datetimeFigureOut">
               <a:rPr lang="en-CA" smtClean="0"/>
-              <a:t>25/04/2017</a:t>
+              <a:t>01/05/2017</a:t>
             </a:fld>
             <a:endParaRPr lang="en-CA"/>
           </a:p>
@@ -604,7 +620,7 @@
           <a:p>
             <a:fld id="{A4657C70-6C77-4BAA-8198-78B080AEE7B6}" type="datetimeFigureOut">
               <a:rPr lang="en-CA" smtClean="0"/>
-              <a:t>25/04/2017</a:t>
+              <a:t>01/05/2017</a:t>
             </a:fld>
             <a:endParaRPr lang="en-CA"/>
           </a:p>
@@ -774,7 +790,7 @@
           <a:p>
             <a:fld id="{A4657C70-6C77-4BAA-8198-78B080AEE7B6}" type="datetimeFigureOut">
               <a:rPr lang="en-CA" smtClean="0"/>
-              <a:t>25/04/2017</a:t>
+              <a:t>01/05/2017</a:t>
             </a:fld>
             <a:endParaRPr lang="en-CA"/>
           </a:p>
@@ -1020,7 +1036,7 @@
           <a:p>
             <a:fld id="{A4657C70-6C77-4BAA-8198-78B080AEE7B6}" type="datetimeFigureOut">
               <a:rPr lang="en-CA" smtClean="0"/>
-              <a:t>25/04/2017</a:t>
+              <a:t>01/05/2017</a:t>
             </a:fld>
             <a:endParaRPr lang="en-CA"/>
           </a:p>
@@ -1252,7 +1268,7 @@
           <a:p>
             <a:fld id="{A4657C70-6C77-4BAA-8198-78B080AEE7B6}" type="datetimeFigureOut">
               <a:rPr lang="en-CA" smtClean="0"/>
-              <a:t>25/04/2017</a:t>
+              <a:t>01/05/2017</a:t>
             </a:fld>
             <a:endParaRPr lang="en-CA"/>
           </a:p>
@@ -1619,7 +1635,7 @@
           <a:p>
             <a:fld id="{A4657C70-6C77-4BAA-8198-78B080AEE7B6}" type="datetimeFigureOut">
               <a:rPr lang="en-CA" smtClean="0"/>
-              <a:t>25/04/2017</a:t>
+              <a:t>01/05/2017</a:t>
             </a:fld>
             <a:endParaRPr lang="en-CA"/>
           </a:p>
@@ -1737,7 +1753,7 @@
           <a:p>
             <a:fld id="{A4657C70-6C77-4BAA-8198-78B080AEE7B6}" type="datetimeFigureOut">
               <a:rPr lang="en-CA" smtClean="0"/>
-              <a:t>25/04/2017</a:t>
+              <a:t>01/05/2017</a:t>
             </a:fld>
             <a:endParaRPr lang="en-CA"/>
           </a:p>
@@ -1832,7 +1848,7 @@
           <a:p>
             <a:fld id="{A4657C70-6C77-4BAA-8198-78B080AEE7B6}" type="datetimeFigureOut">
               <a:rPr lang="en-CA" smtClean="0"/>
-              <a:t>25/04/2017</a:t>
+              <a:t>01/05/2017</a:t>
             </a:fld>
             <a:endParaRPr lang="en-CA"/>
           </a:p>
@@ -2109,7 +2125,7 @@
           <a:p>
             <a:fld id="{A4657C70-6C77-4BAA-8198-78B080AEE7B6}" type="datetimeFigureOut">
               <a:rPr lang="en-CA" smtClean="0"/>
-              <a:t>25/04/2017</a:t>
+              <a:t>01/05/2017</a:t>
             </a:fld>
             <a:endParaRPr lang="en-CA"/>
           </a:p>
@@ -2362,7 +2378,7 @@
           <a:p>
             <a:fld id="{A4657C70-6C77-4BAA-8198-78B080AEE7B6}" type="datetimeFigureOut">
               <a:rPr lang="en-CA" smtClean="0"/>
-              <a:t>25/04/2017</a:t>
+              <a:t>01/05/2017</a:t>
             </a:fld>
             <a:endParaRPr lang="en-CA"/>
           </a:p>
@@ -2575,7 +2591,7 @@
           <a:p>
             <a:fld id="{A4657C70-6C77-4BAA-8198-78B080AEE7B6}" type="datetimeFigureOut">
               <a:rPr lang="en-CA" smtClean="0"/>
-              <a:t>25/04/2017</a:t>
+              <a:t>01/05/2017</a:t>
             </a:fld>
             <a:endParaRPr lang="en-CA"/>
           </a:p>
@@ -3011,6 +3027,17 @@
               <a:rPr lang="zh-CN" altLang="en-US" sz="1800" dirty="0" smtClean="0"/>
               <a:t>解</a:t>
             </a:r>
+            <a:endParaRPr lang="en-CA" altLang="zh-CN" sz="1800" dirty="0" smtClean="0"/>
+          </a:p>
+          <a:p>
+            <a:pPr algn="l"/>
+            <a:r>
+              <a:rPr lang="en-CA" altLang="zh-CN" sz="1800" dirty="0" smtClean="0"/>
+              <a:t>GIT</a:t>
+            </a:r>
+          </a:p>
+          <a:p>
+            <a:pPr algn="l"/>
             <a:endParaRPr lang="en-US" altLang="zh-CN" sz="1800" dirty="0" smtClean="0"/>
           </a:p>
           <a:p>
@@ -3078,9 +3105,227 @@
         </p:spPr>
         <p:txBody>
           <a:bodyPr>
-            <a:normAutofit/>
+            <a:normAutofit fontScale="92500" lnSpcReduction="20000"/>
           </a:bodyPr>
           <a:lstStyle/>
+          <a:p>
+            <a:pPr algn="l"/>
+            <a:r>
+              <a:rPr lang="en-US" altLang="zh-CN" sz="1800" dirty="0"/>
+              <a:t>1</a:t>
+            </a:r>
+            <a:r>
+              <a:rPr lang="zh-CN" altLang="en-US" sz="1800" dirty="0"/>
+              <a:t>、</a:t>
+            </a:r>
+            <a:r>
+              <a:rPr lang="en-US" altLang="zh-CN" sz="1800" dirty="0"/>
+              <a:t>CVS</a:t>
+            </a:r>
+          </a:p>
+          <a:p>
+            <a:pPr algn="l"/>
+            <a:endParaRPr lang="en-US" altLang="zh-CN" sz="1800" dirty="0"/>
+          </a:p>
+          <a:p>
+            <a:pPr algn="l"/>
+            <a:r>
+              <a:rPr lang="en-US" altLang="zh-CN" sz="1800" dirty="0"/>
+              <a:t>   1</a:t>
+            </a:r>
+            <a:r>
+              <a:rPr lang="zh-CN" altLang="en-US" sz="1800" dirty="0"/>
+              <a:t>）开启版本控制之门</a:t>
+            </a:r>
+          </a:p>
+          <a:p>
+            <a:pPr algn="l"/>
+            <a:endParaRPr lang="zh-CN" altLang="en-US" sz="1800" dirty="0"/>
+          </a:p>
+          <a:p>
+            <a:pPr algn="l"/>
+            <a:r>
+              <a:rPr lang="zh-CN" altLang="en-US" sz="1800" dirty="0"/>
+              <a:t>   </a:t>
+            </a:r>
+            <a:r>
+              <a:rPr lang="en-US" altLang="zh-CN" sz="1800" dirty="0"/>
+              <a:t>2</a:t>
+            </a:r>
+            <a:r>
+              <a:rPr lang="zh-CN" altLang="en-US" sz="1800" dirty="0"/>
+              <a:t>）</a:t>
+            </a:r>
+            <a:r>
+              <a:rPr lang="en-US" altLang="zh-CN" sz="1800" dirty="0"/>
+              <a:t>1990</a:t>
+            </a:r>
+            <a:r>
+              <a:rPr lang="zh-CN" altLang="en-US" sz="1800" dirty="0"/>
+              <a:t>年诞生，远古时代的主流源代码管理工具</a:t>
+            </a:r>
+          </a:p>
+          <a:p>
+            <a:pPr algn="l"/>
+            <a:endParaRPr lang="zh-CN" altLang="en-US" sz="1800" dirty="0"/>
+          </a:p>
+          <a:p>
+            <a:pPr algn="l"/>
+            <a:r>
+              <a:rPr lang="en-US" altLang="zh-CN" sz="1800" dirty="0"/>
+              <a:t>2</a:t>
+            </a:r>
+            <a:r>
+              <a:rPr lang="zh-CN" altLang="en-US" sz="1800" dirty="0"/>
+              <a:t>、</a:t>
+            </a:r>
+            <a:r>
+              <a:rPr lang="en-US" altLang="zh-CN" sz="1800" dirty="0"/>
+              <a:t>SVN</a:t>
+            </a:r>
+          </a:p>
+          <a:p>
+            <a:pPr algn="l"/>
+            <a:endParaRPr lang="en-US" altLang="zh-CN" sz="1800" dirty="0"/>
+          </a:p>
+          <a:p>
+            <a:pPr algn="l"/>
+            <a:r>
+              <a:rPr lang="en-US" altLang="zh-CN" sz="1800" dirty="0"/>
+              <a:t>   1</a:t>
+            </a:r>
+            <a:r>
+              <a:rPr lang="zh-CN" altLang="en-US" sz="1800" dirty="0"/>
+              <a:t>）全称是</a:t>
+            </a:r>
+            <a:r>
+              <a:rPr lang="en-US" altLang="zh-CN" sz="1800" dirty="0"/>
+              <a:t>Subversion</a:t>
+            </a:r>
+            <a:r>
+              <a:rPr lang="zh-CN" altLang="en-US" sz="1800" dirty="0"/>
+              <a:t>，集中式版本控制王者</a:t>
+            </a:r>
+          </a:p>
+          <a:p>
+            <a:pPr algn="l"/>
+            <a:endParaRPr lang="zh-CN" altLang="en-US" sz="1800" dirty="0"/>
+          </a:p>
+          <a:p>
+            <a:pPr algn="l"/>
+            <a:r>
+              <a:rPr lang="zh-CN" altLang="en-US" sz="1800" dirty="0"/>
+              <a:t>   </a:t>
+            </a:r>
+            <a:r>
+              <a:rPr lang="en-US" altLang="zh-CN" sz="1800" dirty="0"/>
+              <a:t>2</a:t>
+            </a:r>
+            <a:r>
+              <a:rPr lang="zh-CN" altLang="en-US" sz="1800" dirty="0"/>
+              <a:t>）是</a:t>
+            </a:r>
+            <a:r>
+              <a:rPr lang="en-US" altLang="zh-CN" sz="1800" dirty="0"/>
+              <a:t>CVS</a:t>
+            </a:r>
+            <a:r>
+              <a:rPr lang="zh-CN" altLang="en-US" sz="1800" dirty="0"/>
+              <a:t>的接班人，速度比</a:t>
+            </a:r>
+            <a:r>
+              <a:rPr lang="en-US" altLang="zh-CN" sz="1800" dirty="0"/>
+              <a:t>CVS</a:t>
+            </a:r>
+            <a:r>
+              <a:rPr lang="zh-CN" altLang="en-US" sz="1800" dirty="0"/>
+              <a:t>快，功能比</a:t>
+            </a:r>
+            <a:r>
+              <a:rPr lang="en-US" altLang="zh-CN" sz="1800" dirty="0"/>
+              <a:t>CVS</a:t>
+            </a:r>
+            <a:r>
+              <a:rPr lang="zh-CN" altLang="en-US" sz="1800" dirty="0"/>
+              <a:t>多且强大</a:t>
+            </a:r>
+          </a:p>
+          <a:p>
+            <a:pPr algn="l"/>
+            <a:endParaRPr lang="zh-CN" altLang="en-US" sz="1800" dirty="0"/>
+          </a:p>
+          <a:p>
+            <a:pPr algn="l"/>
+            <a:r>
+              <a:rPr lang="zh-CN" altLang="en-US" sz="1800" dirty="0"/>
+              <a:t>   </a:t>
+            </a:r>
+            <a:r>
+              <a:rPr lang="en-US" altLang="zh-CN" sz="1800" dirty="0"/>
+              <a:t>3</a:t>
+            </a:r>
+            <a:r>
+              <a:rPr lang="zh-CN" altLang="en-US" sz="1800" dirty="0"/>
+              <a:t>）在国内软件企业中使用最为普遍</a:t>
+            </a:r>
+            <a:r>
+              <a:rPr lang="en-US" altLang="zh-CN" sz="1800" dirty="0"/>
+              <a:t>(70%/80%)</a:t>
+            </a:r>
+          </a:p>
+          <a:p>
+            <a:pPr algn="l"/>
+            <a:endParaRPr lang="en-US" altLang="zh-CN" sz="1800" dirty="0"/>
+          </a:p>
+          <a:p>
+            <a:pPr algn="l"/>
+            <a:r>
+              <a:rPr lang="en-US" altLang="zh-CN" sz="1800" dirty="0"/>
+              <a:t>3</a:t>
+            </a:r>
+            <a:r>
+              <a:rPr lang="zh-CN" altLang="en-US" sz="1800" dirty="0"/>
+              <a:t>、</a:t>
+            </a:r>
+            <a:r>
+              <a:rPr lang="en-US" altLang="zh-CN" sz="1800" dirty="0"/>
+              <a:t>GIT</a:t>
+            </a:r>
+          </a:p>
+          <a:p>
+            <a:pPr algn="l"/>
+            <a:endParaRPr lang="en-US" altLang="zh-CN" sz="1800" dirty="0"/>
+          </a:p>
+          <a:p>
+            <a:pPr algn="l"/>
+            <a:r>
+              <a:rPr lang="en-US" altLang="zh-CN" sz="1800" dirty="0"/>
+              <a:t>   1</a:t>
+            </a:r>
+            <a:r>
+              <a:rPr lang="zh-CN" altLang="en-US" sz="1800" dirty="0"/>
+              <a:t>）一款伟大的分布式源代码管理工具</a:t>
+            </a:r>
+          </a:p>
+          <a:p>
+            <a:pPr algn="l"/>
+            <a:endParaRPr lang="zh-CN" altLang="en-US" sz="1800" dirty="0"/>
+          </a:p>
+          <a:p>
+            <a:pPr algn="l"/>
+            <a:r>
+              <a:rPr lang="zh-CN" altLang="en-US" sz="1800" dirty="0"/>
+              <a:t>   </a:t>
+            </a:r>
+            <a:r>
+              <a:rPr lang="en-US" altLang="zh-CN" sz="1800" dirty="0"/>
+              <a:t>2</a:t>
+            </a:r>
+            <a:r>
+              <a:rPr lang="zh-CN" altLang="en-US" sz="1800" dirty="0"/>
+              <a:t>）目前被原来越多的开源项目使用</a:t>
+            </a:r>
+          </a:p>
           <a:p>
             <a:pPr algn="l"/>
             <a:endParaRPr lang="en-US" altLang="zh-CN" sz="1800" dirty="0" smtClean="0"/>
@@ -3090,7 +3335,7 @@
     </p:spTree>
     <p:extLst>
       <p:ext uri="{BB962C8B-B14F-4D97-AF65-F5344CB8AC3E}">
-        <p14:creationId xmlns:p14="http://schemas.microsoft.com/office/powerpoint/2010/main" val="485945065"/>
+        <p14:creationId xmlns:p14="http://schemas.microsoft.com/office/powerpoint/2010/main" val="2244497658"/>
       </p:ext>
     </p:extLst>
   </p:cSld>
@@ -3142,11 +3387,155 @@
         </p:spPr>
         <p:txBody>
           <a:bodyPr>
-            <a:normAutofit/>
+            <a:normAutofit lnSpcReduction="10000"/>
           </a:bodyPr>
           <a:lstStyle/>
           <a:p>
             <a:pPr algn="l"/>
+            <a:r>
+              <a:rPr lang="en-US" altLang="zh-CN" sz="1800" dirty="0" smtClean="0"/>
+              <a:t>SVN</a:t>
+            </a:r>
+          </a:p>
+          <a:p>
+            <a:pPr algn="l"/>
+            <a:r>
+              <a:rPr lang="en-US" altLang="zh-CN" sz="1800" dirty="0"/>
+              <a:t>1</a:t>
+            </a:r>
+            <a:r>
+              <a:rPr lang="zh-CN" altLang="en-US" sz="1800" dirty="0"/>
+              <a:t>、概念</a:t>
+            </a:r>
+          </a:p>
+          <a:p>
+            <a:pPr algn="l"/>
+            <a:endParaRPr lang="zh-CN" altLang="en-US" sz="1800" dirty="0"/>
+          </a:p>
+          <a:p>
+            <a:pPr algn="l"/>
+            <a:r>
+              <a:rPr lang="zh-CN" altLang="en-US" sz="1800" dirty="0"/>
+              <a:t>  版本库是集中存放在中央服务器的，而干活的时候，用的都是自己的电脑，所以要先从中央服务器取得最新的版本，然后开始干活，干完活了，再把自己的活推送给中央服务器。</a:t>
+            </a:r>
+            <a:r>
+              <a:rPr lang="en-US" altLang="zh-CN" sz="1800" dirty="0"/>
+              <a:t>SVN</a:t>
+            </a:r>
+            <a:r>
+              <a:rPr lang="zh-CN" altLang="en-US" sz="1800" dirty="0"/>
+              <a:t>在没有网络情况下是无法查看提交日志和文件对比的</a:t>
+            </a:r>
+          </a:p>
+          <a:p>
+            <a:pPr algn="l"/>
+            <a:endParaRPr lang="zh-CN" altLang="en-US" sz="1800" dirty="0"/>
+          </a:p>
+          <a:p>
+            <a:pPr algn="l"/>
+            <a:r>
+              <a:rPr lang="en-US" altLang="zh-CN" sz="1800" dirty="0"/>
+              <a:t>2</a:t>
+            </a:r>
+            <a:r>
+              <a:rPr lang="zh-CN" altLang="en-US" sz="1800" dirty="0"/>
+              <a:t>、使用步骤</a:t>
+            </a:r>
+          </a:p>
+          <a:p>
+            <a:pPr algn="l"/>
+            <a:endParaRPr lang="zh-CN" altLang="en-US" sz="1800" dirty="0"/>
+          </a:p>
+          <a:p>
+            <a:pPr algn="l"/>
+            <a:r>
+              <a:rPr lang="zh-CN" altLang="en-US" sz="1800" dirty="0"/>
+              <a:t>   </a:t>
+            </a:r>
+            <a:r>
+              <a:rPr lang="en-US" altLang="zh-CN" sz="1800" dirty="0"/>
+              <a:t>1</a:t>
+            </a:r>
+            <a:r>
+              <a:rPr lang="zh-CN" altLang="en-US" sz="1800" dirty="0"/>
+              <a:t>、刚接手这个项目，从中央服务器取得最新的项目</a:t>
+            </a:r>
+          </a:p>
+          <a:p>
+            <a:pPr algn="l"/>
+            <a:endParaRPr lang="zh-CN" altLang="en-US" sz="1800" dirty="0"/>
+          </a:p>
+          <a:p>
+            <a:pPr algn="l"/>
+            <a:r>
+              <a:rPr lang="zh-CN" altLang="en-US" sz="1800" dirty="0"/>
+              <a:t>   </a:t>
+            </a:r>
+            <a:r>
+              <a:rPr lang="en-US" altLang="zh-CN" sz="1800" dirty="0"/>
+              <a:t>2</a:t>
+            </a:r>
+            <a:r>
+              <a:rPr lang="zh-CN" altLang="en-US" sz="1800" dirty="0"/>
+              <a:t>、今天在项目里面加了一些功能，想要添加到中央服务器中</a:t>
+            </a:r>
+          </a:p>
+          <a:p>
+            <a:pPr algn="l"/>
+            <a:endParaRPr lang="zh-CN" altLang="en-US" sz="1800" dirty="0"/>
+          </a:p>
+          <a:p>
+            <a:pPr algn="l"/>
+            <a:r>
+              <a:rPr lang="zh-CN" altLang="en-US" sz="1800" dirty="0"/>
+              <a:t>   </a:t>
+            </a:r>
+            <a:r>
+              <a:rPr lang="en-US" altLang="zh-CN" sz="1800" dirty="0"/>
+              <a:t>3</a:t>
+            </a:r>
+            <a:r>
+              <a:rPr lang="zh-CN" altLang="en-US" sz="1800" dirty="0"/>
+              <a:t>、首先从中央服务器更新一下项目，确保没有错误</a:t>
+            </a:r>
+          </a:p>
+          <a:p>
+            <a:pPr algn="l"/>
+            <a:endParaRPr lang="zh-CN" altLang="en-US" sz="1800" dirty="0"/>
+          </a:p>
+          <a:p>
+            <a:pPr algn="l"/>
+            <a:r>
+              <a:rPr lang="zh-CN" altLang="en-US" sz="1800" dirty="0"/>
+              <a:t>   </a:t>
+            </a:r>
+            <a:r>
+              <a:rPr lang="en-US" altLang="zh-CN" sz="1800" dirty="0"/>
+              <a:t>4</a:t>
+            </a:r>
+            <a:r>
+              <a:rPr lang="zh-CN" altLang="en-US" sz="1800" dirty="0"/>
+              <a:t>、然后再将自己的工程给提交</a:t>
+            </a:r>
+          </a:p>
+          <a:p>
+            <a:pPr algn="l"/>
+            <a:endParaRPr lang="zh-CN" altLang="en-US" sz="1800" dirty="0"/>
+          </a:p>
+          <a:p>
+            <a:pPr algn="l"/>
+            <a:r>
+              <a:rPr lang="zh-CN" altLang="en-US" sz="1800" dirty="0"/>
+              <a:t>   </a:t>
+            </a:r>
+            <a:r>
+              <a:rPr lang="en-US" altLang="zh-CN" sz="1800" dirty="0"/>
+              <a:t>PS:</a:t>
+            </a:r>
+            <a:r>
+              <a:rPr lang="zh-CN" altLang="en-US" sz="1800" dirty="0"/>
+              <a:t>每次更新之前记得提交</a:t>
+            </a:r>
             <a:endParaRPr lang="en-US" altLang="zh-CN" sz="1800" dirty="0" smtClean="0"/>
           </a:p>
         </p:txBody>
@@ -3154,7 +3543,7 @@
     </p:spTree>
     <p:extLst>
       <p:ext uri="{BB962C8B-B14F-4D97-AF65-F5344CB8AC3E}">
-        <p14:creationId xmlns:p14="http://schemas.microsoft.com/office/powerpoint/2010/main" val="3566386788"/>
+        <p14:creationId xmlns:p14="http://schemas.microsoft.com/office/powerpoint/2010/main" val="485945065"/>
       </p:ext>
     </p:extLst>
   </p:cSld>
@@ -3215,10 +3604,1398 @@
           </a:p>
         </p:txBody>
       </p:sp>
+      <p:pic>
+        <p:nvPicPr>
+          <p:cNvPr id="1026" name="Picture 2" descr="这里写图片描述"/>
+          <p:cNvPicPr>
+            <a:picLocks noChangeAspect="1" noChangeArrowheads="1"/>
+          </p:cNvPicPr>
+          <p:nvPr/>
+        </p:nvPicPr>
+        <p:blipFill>
+          <a:blip r:embed="rId2">
+            <a:extLst>
+              <a:ext uri="{28A0092B-C50C-407E-A947-70E740481C1C}">
+                <a14:useLocalDpi xmlns:a14="http://schemas.microsoft.com/office/drawing/2010/main" val="0"/>
+              </a:ext>
+            </a:extLst>
+          </a:blip>
+          <a:srcRect/>
+          <a:stretch>
+            <a:fillRect/>
+          </a:stretch>
+        </p:blipFill>
+        <p:spPr bwMode="auto">
+          <a:xfrm>
+            <a:off x="889669" y="457758"/>
+            <a:ext cx="9732071" cy="5208946"/>
+          </a:xfrm>
+          <a:prstGeom prst="rect">
+            <a:avLst/>
+          </a:prstGeom>
+          <a:noFill/>
+          <a:extLst>
+            <a:ext uri="{909E8E84-426E-40DD-AFC4-6F175D3DCCD1}">
+              <a14:hiddenFill xmlns:a14="http://schemas.microsoft.com/office/drawing/2010/main">
+                <a:solidFill>
+                  <a:srgbClr val="FFFFFF"/>
+                </a:solidFill>
+              </a14:hiddenFill>
+            </a:ext>
+          </a:extLst>
+        </p:spPr>
+      </p:pic>
     </p:spTree>
     <p:extLst>
       <p:ext uri="{BB962C8B-B14F-4D97-AF65-F5344CB8AC3E}">
-        <p14:creationId xmlns:p14="http://schemas.microsoft.com/office/powerpoint/2010/main" val="2992635189"/>
+        <p14:creationId xmlns:p14="http://schemas.microsoft.com/office/powerpoint/2010/main" val="1783861438"/>
+      </p:ext>
+    </p:extLst>
+  </p:cSld>
+  <p:clrMapOvr>
+    <a:masterClrMapping/>
+  </p:clrMapOvr>
+  <p:timing>
+    <p:tnLst>
+      <p:par>
+        <p:cTn id="1" dur="indefinite" restart="never" nodeType="tmRoot"/>
+      </p:par>
+    </p:tnLst>
+  </p:timing>
+</p:sld>
+</file>
+
+<file path=ppt/slides/slide13.xml><?xml version="1.0" encoding="utf-8"?>
+<p:sld xmlns:a="http://schemas.openxmlformats.org/drawingml/2006/main" xmlns:r="http://schemas.openxmlformats.org/officeDocument/2006/relationships" xmlns:p="http://schemas.openxmlformats.org/presentationml/2006/main">
+  <p:cSld>
+    <p:spTree>
+      <p:nvGrpSpPr>
+        <p:cNvPr id="1" name=""/>
+        <p:cNvGrpSpPr/>
+        <p:nvPr/>
+      </p:nvGrpSpPr>
+      <p:grpSpPr>
+        <a:xfrm>
+          <a:off x="0" y="0"/>
+          <a:ext cx="0" cy="0"/>
+          <a:chOff x="0" y="0"/>
+          <a:chExt cx="0" cy="0"/>
+        </a:xfrm>
+      </p:grpSpPr>
+      <p:sp>
+        <p:nvSpPr>
+          <p:cNvPr id="3" name="Subtitle 2"/>
+          <p:cNvSpPr>
+            <a:spLocks noGrp="1"/>
+          </p:cNvSpPr>
+          <p:nvPr>
+            <p:ph type="subTitle" idx="1"/>
+          </p:nvPr>
+        </p:nvSpPr>
+        <p:spPr>
+          <a:xfrm>
+            <a:off x="1524000" y="430305"/>
+            <a:ext cx="9144000" cy="6131859"/>
+          </a:xfrm>
+        </p:spPr>
+        <p:txBody>
+          <a:bodyPr>
+            <a:normAutofit/>
+          </a:bodyPr>
+          <a:lstStyle/>
+          <a:p>
+            <a:pPr algn="l"/>
+            <a:r>
+              <a:rPr lang="en-US" altLang="zh-CN" sz="1800" dirty="0" err="1"/>
+              <a:t>Git</a:t>
+            </a:r>
+            <a:r>
+              <a:rPr lang="zh-CN" altLang="en-US" sz="1800" dirty="0"/>
+              <a:t>是一个开源的分布式版本控制系统，用以有效、高速的处理从很小到非常大的项目版本管理。</a:t>
+            </a:r>
+            <a:r>
+              <a:rPr lang="en-US" altLang="zh-CN" sz="1800" dirty="0" err="1"/>
+              <a:t>Git</a:t>
+            </a:r>
+            <a:r>
+              <a:rPr lang="en-US" altLang="zh-CN" sz="1800" dirty="0"/>
+              <a:t> </a:t>
+            </a:r>
+            <a:r>
+              <a:rPr lang="zh-CN" altLang="en-US" sz="1800" dirty="0"/>
+              <a:t>是 </a:t>
+            </a:r>
+            <a:r>
+              <a:rPr lang="en-US" altLang="zh-CN" sz="1800" dirty="0"/>
+              <a:t>Linus Torvalds </a:t>
+            </a:r>
+            <a:r>
+              <a:rPr lang="zh-CN" altLang="en-US" sz="1800" dirty="0"/>
+              <a:t>为了帮助管理 </a:t>
+            </a:r>
+            <a:r>
+              <a:rPr lang="en-US" altLang="zh-CN" sz="1800" dirty="0"/>
+              <a:t>Linux </a:t>
+            </a:r>
+            <a:r>
+              <a:rPr lang="zh-CN" altLang="en-US" sz="1800" dirty="0"/>
+              <a:t>内核开发而开发的一个开放源码的版本控制软件。</a:t>
+            </a:r>
+          </a:p>
+          <a:p>
+            <a:pPr algn="l"/>
+            <a:endParaRPr lang="zh-CN" altLang="en-US" sz="1800" dirty="0"/>
+          </a:p>
+          <a:p>
+            <a:pPr algn="l"/>
+            <a:r>
+              <a:rPr lang="en-US" altLang="zh-CN" sz="1800" dirty="0" err="1"/>
+              <a:t>Git</a:t>
+            </a:r>
+            <a:r>
+              <a:rPr lang="en-US" altLang="zh-CN" sz="1800" dirty="0"/>
+              <a:t> </a:t>
+            </a:r>
+            <a:r>
+              <a:rPr lang="zh-CN" altLang="en-US" sz="1800" dirty="0"/>
+              <a:t>可以保存任何文档，最善于保存文本文档，因为它本来就是为解决软件源代码 （也是一种文本文档）版本管理问题而开发的，提供了许多有助于文本分析的工具。对于非文本文档，</a:t>
+            </a:r>
+            <a:r>
+              <a:rPr lang="en-US" altLang="zh-CN" sz="1800" dirty="0" err="1"/>
+              <a:t>Git</a:t>
+            </a:r>
+            <a:r>
+              <a:rPr lang="en-US" altLang="zh-CN" sz="1800" dirty="0"/>
+              <a:t> </a:t>
+            </a:r>
+            <a:r>
+              <a:rPr lang="zh-CN" altLang="en-US" sz="1800" dirty="0"/>
+              <a:t>只是简单地为其进行备份并实施版本管理。</a:t>
+            </a:r>
+            <a:endParaRPr lang="en-US" altLang="zh-CN" sz="1800" dirty="0" smtClean="0"/>
+          </a:p>
+        </p:txBody>
+      </p:sp>
+    </p:spTree>
+    <p:extLst>
+      <p:ext uri="{BB962C8B-B14F-4D97-AF65-F5344CB8AC3E}">
+        <p14:creationId xmlns:p14="http://schemas.microsoft.com/office/powerpoint/2010/main" val="2572264780"/>
+      </p:ext>
+    </p:extLst>
+  </p:cSld>
+  <p:clrMapOvr>
+    <a:masterClrMapping/>
+  </p:clrMapOvr>
+  <p:timing>
+    <p:tnLst>
+      <p:par>
+        <p:cTn id="1" dur="indefinite" restart="never" nodeType="tmRoot"/>
+      </p:par>
+    </p:tnLst>
+  </p:timing>
+</p:sld>
+</file>
+
+<file path=ppt/slides/slide14.xml><?xml version="1.0" encoding="utf-8"?>
+<p:sld xmlns:a="http://schemas.openxmlformats.org/drawingml/2006/main" xmlns:r="http://schemas.openxmlformats.org/officeDocument/2006/relationships" xmlns:p="http://schemas.openxmlformats.org/presentationml/2006/main">
+  <p:cSld>
+    <p:spTree>
+      <p:nvGrpSpPr>
+        <p:cNvPr id="1" name=""/>
+        <p:cNvGrpSpPr/>
+        <p:nvPr/>
+      </p:nvGrpSpPr>
+      <p:grpSpPr>
+        <a:xfrm>
+          <a:off x="0" y="0"/>
+          <a:ext cx="0" cy="0"/>
+          <a:chOff x="0" y="0"/>
+          <a:chExt cx="0" cy="0"/>
+        </a:xfrm>
+      </p:grpSpPr>
+      <p:sp>
+        <p:nvSpPr>
+          <p:cNvPr id="3" name="Subtitle 2"/>
+          <p:cNvSpPr>
+            <a:spLocks noGrp="1"/>
+          </p:cNvSpPr>
+          <p:nvPr>
+            <p:ph type="subTitle" idx="1"/>
+          </p:nvPr>
+        </p:nvSpPr>
+        <p:spPr>
+          <a:xfrm>
+            <a:off x="1524000" y="430305"/>
+            <a:ext cx="9144000" cy="6131859"/>
+          </a:xfrm>
+        </p:spPr>
+        <p:txBody>
+          <a:bodyPr>
+            <a:normAutofit/>
+          </a:bodyPr>
+          <a:lstStyle/>
+          <a:p>
+            <a:pPr algn="l"/>
+            <a:endParaRPr lang="en-US" altLang="zh-CN" sz="1800" dirty="0" smtClean="0"/>
+          </a:p>
+        </p:txBody>
+      </p:sp>
+      <p:pic>
+        <p:nvPicPr>
+          <p:cNvPr id="2050" name="Picture 2" descr="这里写图片描述"/>
+          <p:cNvPicPr>
+            <a:picLocks noChangeAspect="1" noChangeArrowheads="1"/>
+          </p:cNvPicPr>
+          <p:nvPr/>
+        </p:nvPicPr>
+        <p:blipFill>
+          <a:blip r:embed="rId2">
+            <a:extLst>
+              <a:ext uri="{28A0092B-C50C-407E-A947-70E740481C1C}">
+                <a14:useLocalDpi xmlns:a14="http://schemas.microsoft.com/office/drawing/2010/main" val="0"/>
+              </a:ext>
+            </a:extLst>
+          </a:blip>
+          <a:srcRect/>
+          <a:stretch>
+            <a:fillRect/>
+          </a:stretch>
+        </p:blipFill>
+        <p:spPr bwMode="auto">
+          <a:xfrm>
+            <a:off x="902548" y="430305"/>
+            <a:ext cx="9825771" cy="5287915"/>
+          </a:xfrm>
+          <a:prstGeom prst="rect">
+            <a:avLst/>
+          </a:prstGeom>
+          <a:noFill/>
+          <a:extLst>
+            <a:ext uri="{909E8E84-426E-40DD-AFC4-6F175D3DCCD1}">
+              <a14:hiddenFill xmlns:a14="http://schemas.microsoft.com/office/drawing/2010/main">
+                <a:solidFill>
+                  <a:srgbClr val="FFFFFF"/>
+                </a:solidFill>
+              </a14:hiddenFill>
+            </a:ext>
+          </a:extLst>
+        </p:spPr>
+      </p:pic>
+    </p:spTree>
+    <p:extLst>
+      <p:ext uri="{BB962C8B-B14F-4D97-AF65-F5344CB8AC3E}">
+        <p14:creationId xmlns:p14="http://schemas.microsoft.com/office/powerpoint/2010/main" val="4181007048"/>
+      </p:ext>
+    </p:extLst>
+  </p:cSld>
+  <p:clrMapOvr>
+    <a:masterClrMapping/>
+  </p:clrMapOvr>
+  <p:timing>
+    <p:tnLst>
+      <p:par>
+        <p:cTn id="1" dur="indefinite" restart="never" nodeType="tmRoot"/>
+      </p:par>
+    </p:tnLst>
+  </p:timing>
+</p:sld>
+</file>
+
+<file path=ppt/slides/slide15.xml><?xml version="1.0" encoding="utf-8"?>
+<p:sld xmlns:a="http://schemas.openxmlformats.org/drawingml/2006/main" xmlns:r="http://schemas.openxmlformats.org/officeDocument/2006/relationships" xmlns:p="http://schemas.openxmlformats.org/presentationml/2006/main">
+  <p:cSld>
+    <p:spTree>
+      <p:nvGrpSpPr>
+        <p:cNvPr id="1" name=""/>
+        <p:cNvGrpSpPr/>
+        <p:nvPr/>
+      </p:nvGrpSpPr>
+      <p:grpSpPr>
+        <a:xfrm>
+          <a:off x="0" y="0"/>
+          <a:ext cx="0" cy="0"/>
+          <a:chOff x="0" y="0"/>
+          <a:chExt cx="0" cy="0"/>
+        </a:xfrm>
+      </p:grpSpPr>
+      <p:sp>
+        <p:nvSpPr>
+          <p:cNvPr id="3" name="Subtitle 2"/>
+          <p:cNvSpPr>
+            <a:spLocks noGrp="1"/>
+          </p:cNvSpPr>
+          <p:nvPr>
+            <p:ph type="subTitle" idx="1"/>
+          </p:nvPr>
+        </p:nvSpPr>
+        <p:spPr>
+          <a:xfrm>
+            <a:off x="1524000" y="430305"/>
+            <a:ext cx="9144000" cy="6131859"/>
+          </a:xfrm>
+        </p:spPr>
+        <p:txBody>
+          <a:bodyPr>
+            <a:normAutofit lnSpcReduction="10000"/>
+          </a:bodyPr>
+          <a:lstStyle/>
+          <a:p>
+            <a:pPr algn="l"/>
+            <a:r>
+              <a:rPr lang="en-US" altLang="zh-CN" sz="1800" dirty="0"/>
+              <a:t>Linux</a:t>
+            </a:r>
+            <a:r>
+              <a:rPr lang="zh-CN" altLang="en-US" sz="1800" dirty="0"/>
+              <a:t>之父</a:t>
+            </a:r>
+            <a:r>
+              <a:rPr lang="en-US" altLang="zh-CN" sz="1800" dirty="0"/>
+              <a:t>Linus</a:t>
+            </a:r>
+            <a:r>
+              <a:rPr lang="zh-CN" altLang="en-US" sz="1800" dirty="0"/>
+              <a:t>是坚定的</a:t>
+            </a:r>
+            <a:r>
+              <a:rPr lang="en-US" altLang="zh-CN" sz="1800" dirty="0"/>
+              <a:t>CVS</a:t>
+            </a:r>
+            <a:r>
+              <a:rPr lang="zh-CN" altLang="en-US" sz="1800" dirty="0"/>
+              <a:t>反对者，他也同样地反对</a:t>
+            </a:r>
+            <a:r>
+              <a:rPr lang="en-US" altLang="zh-CN" sz="1800" dirty="0"/>
+              <a:t>SVN</a:t>
+            </a:r>
+            <a:r>
+              <a:rPr lang="zh-CN" altLang="en-US" sz="1800" dirty="0"/>
+              <a:t>。这就是为什么在</a:t>
+            </a:r>
+            <a:r>
+              <a:rPr lang="en-US" altLang="zh-CN" sz="1800" dirty="0"/>
+              <a:t>1991-2002</a:t>
+            </a:r>
+            <a:r>
+              <a:rPr lang="zh-CN" altLang="en-US" sz="1800" dirty="0"/>
+              <a:t>这十余年间，</a:t>
+            </a:r>
+            <a:r>
+              <a:rPr lang="en-US" altLang="zh-CN" sz="1800" dirty="0"/>
+              <a:t>Linus</a:t>
+            </a:r>
+            <a:r>
+              <a:rPr lang="zh-CN" altLang="en-US" sz="1800" dirty="0"/>
+              <a:t>宁可使用补丁文件和</a:t>
+            </a:r>
+            <a:r>
+              <a:rPr lang="en-US" altLang="zh-CN" sz="1800" dirty="0"/>
+              <a:t>tar</a:t>
+            </a:r>
+            <a:r>
+              <a:rPr lang="zh-CN" altLang="en-US" sz="1800" dirty="0"/>
+              <a:t>包的方式维护代码，也迟迟不愿使用</a:t>
+            </a:r>
+            <a:r>
+              <a:rPr lang="en-US" altLang="zh-CN" sz="1800" dirty="0"/>
+              <a:t>CVS</a:t>
+            </a:r>
+            <a:r>
+              <a:rPr lang="zh-CN" altLang="en-US" sz="1800" dirty="0"/>
+              <a:t>。</a:t>
+            </a:r>
+            <a:r>
+              <a:rPr lang="en-US" altLang="zh-CN" sz="1800" dirty="0"/>
+              <a:t>2002</a:t>
+            </a:r>
+            <a:r>
+              <a:rPr lang="zh-CN" altLang="en-US" sz="1800" dirty="0"/>
+              <a:t>年</a:t>
+            </a:r>
+            <a:r>
+              <a:rPr lang="en-US" altLang="zh-CN" sz="1800" dirty="0"/>
+              <a:t>Linus</a:t>
+            </a:r>
+            <a:r>
+              <a:rPr lang="zh-CN" altLang="en-US" sz="1800" dirty="0"/>
+              <a:t>顶着开源社区精英们的口诛笔伐，选择了一个商业版本控制系统</a:t>
+            </a:r>
+            <a:r>
+              <a:rPr lang="en-US" altLang="zh-CN" sz="1800" dirty="0" err="1"/>
+              <a:t>BitKeeper</a:t>
+            </a:r>
+            <a:r>
+              <a:rPr lang="zh-CN" altLang="en-US" sz="1800" dirty="0"/>
+              <a:t>作为</a:t>
+            </a:r>
+            <a:r>
+              <a:rPr lang="en-US" altLang="zh-CN" sz="1800" dirty="0"/>
+              <a:t>Linux</a:t>
+            </a:r>
+            <a:r>
+              <a:rPr lang="zh-CN" altLang="en-US" sz="1800" dirty="0"/>
+              <a:t>内核的代码管理工具</a:t>
+            </a:r>
+            <a:r>
+              <a:rPr lang="en-US" altLang="zh-CN" sz="1800" dirty="0"/>
+              <a:t>[11]</a:t>
+            </a:r>
+            <a:r>
+              <a:rPr lang="zh-CN" altLang="en-US" sz="1800" dirty="0"/>
+              <a:t>。和</a:t>
+            </a:r>
+            <a:r>
+              <a:rPr lang="en-US" altLang="zh-CN" sz="1800" dirty="0"/>
+              <a:t>CVS/SVN</a:t>
+            </a:r>
+            <a:r>
+              <a:rPr lang="zh-CN" altLang="en-US" sz="1800" dirty="0"/>
+              <a:t>不同，</a:t>
+            </a:r>
+            <a:r>
+              <a:rPr lang="en-US" altLang="zh-CN" sz="1800" dirty="0" err="1"/>
+              <a:t>BitKeeper</a:t>
+            </a:r>
+            <a:r>
+              <a:rPr lang="zh-CN" altLang="en-US" sz="1800" dirty="0"/>
+              <a:t>是属于分布式版本控制系统。</a:t>
+            </a:r>
+          </a:p>
+          <a:p>
+            <a:pPr algn="l"/>
+            <a:r>
+              <a:rPr lang="zh-CN" altLang="en-US" sz="1800" dirty="0" smtClean="0"/>
+              <a:t>分</a:t>
+            </a:r>
+            <a:r>
+              <a:rPr lang="zh-CN" altLang="en-US" sz="1800" dirty="0"/>
+              <a:t>布式版本控制系统最大的反传统之处在于，可以不需要集中式的版本库，每个人都工作在通过克隆操作建立的本地版本库中，也就是说每个人都拥有一个完整的版本库。分布式版本控制系统的几乎所有操作包括查看提交日志、提交、创建里程碑和分支、合并分支、回退等都直接在本地完成而不需要网络连接。每个人都是本地版本库的主人，不再有谁能提交谁不能提交的限制，加之多样的协同工作模型（版本库间推送、拉回，及补丁文件传送等）让开源项目的参与度有爆发式增长。</a:t>
+            </a:r>
+          </a:p>
+          <a:p>
+            <a:pPr algn="l"/>
+            <a:r>
+              <a:rPr lang="en-US" altLang="zh-CN" sz="1800" dirty="0" smtClean="0"/>
+              <a:t>2005</a:t>
+            </a:r>
+            <a:r>
+              <a:rPr lang="zh-CN" altLang="en-US" sz="1800" dirty="0"/>
+              <a:t>年发生的一件事最终导致了</a:t>
+            </a:r>
+            <a:r>
+              <a:rPr lang="en-US" altLang="zh-CN" sz="1800" dirty="0" err="1"/>
+              <a:t>Git</a:t>
+            </a:r>
+            <a:r>
+              <a:rPr lang="zh-CN" altLang="en-US" sz="1800" dirty="0"/>
+              <a:t>的诞生。在</a:t>
+            </a:r>
+            <a:r>
+              <a:rPr lang="en-US" altLang="zh-CN" sz="1800" dirty="0"/>
+              <a:t>2005</a:t>
+            </a:r>
+            <a:r>
+              <a:rPr lang="zh-CN" altLang="en-US" sz="1800" dirty="0"/>
+              <a:t>年初</a:t>
+            </a:r>
+            <a:r>
+              <a:rPr lang="en-US" altLang="zh-CN" sz="1800" dirty="0"/>
+              <a:t>Andrew </a:t>
+            </a:r>
+            <a:r>
+              <a:rPr lang="en-US" altLang="zh-CN" sz="1800" dirty="0" err="1"/>
+              <a:t>Tridgell</a:t>
+            </a:r>
+            <a:r>
+              <a:rPr lang="zh-CN" altLang="en-US" sz="1800" dirty="0"/>
+              <a:t>，即大名鼎鼎的</a:t>
+            </a:r>
+            <a:r>
+              <a:rPr lang="en-US" altLang="zh-CN" sz="1800" dirty="0"/>
+              <a:t>Samba</a:t>
+            </a:r>
+            <a:r>
+              <a:rPr lang="zh-CN" altLang="en-US" sz="1800" dirty="0"/>
+              <a:t>的作者，试图尝试对</a:t>
+            </a:r>
+            <a:r>
+              <a:rPr lang="en-US" altLang="zh-CN" sz="1800" dirty="0" err="1"/>
+              <a:t>BitKeeper</a:t>
+            </a:r>
+            <a:r>
+              <a:rPr lang="zh-CN" altLang="en-US" sz="1800" dirty="0"/>
+              <a:t>反向工程，以开发一个能与</a:t>
+            </a:r>
+            <a:r>
+              <a:rPr lang="en-US" altLang="zh-CN" sz="1800" dirty="0" err="1"/>
+              <a:t>BitKeeper</a:t>
+            </a:r>
+            <a:r>
+              <a:rPr lang="zh-CN" altLang="en-US" sz="1800" dirty="0"/>
+              <a:t>交互的开源工具。这激怒了</a:t>
+            </a:r>
+            <a:r>
+              <a:rPr lang="en-US" altLang="zh-CN" sz="1800" dirty="0" err="1"/>
+              <a:t>BitKeeper</a:t>
+            </a:r>
+            <a:r>
+              <a:rPr lang="zh-CN" altLang="en-US" sz="1800" dirty="0"/>
+              <a:t>软件的所有者</a:t>
+            </a:r>
+            <a:r>
+              <a:rPr lang="en-US" altLang="zh-CN" sz="1800" dirty="0" err="1"/>
+              <a:t>BitMover</a:t>
+            </a:r>
+            <a:r>
+              <a:rPr lang="zh-CN" altLang="en-US" sz="1800" dirty="0"/>
+              <a:t>公司，要求收回对</a:t>
+            </a:r>
+            <a:r>
+              <a:rPr lang="en-US" altLang="zh-CN" sz="1800" dirty="0"/>
+              <a:t>Linux</a:t>
+            </a:r>
+            <a:r>
+              <a:rPr lang="zh-CN" altLang="en-US" sz="1800" dirty="0"/>
+              <a:t>社区免费使用</a:t>
+            </a:r>
+            <a:r>
+              <a:rPr lang="en-US" altLang="zh-CN" sz="1800" dirty="0" err="1"/>
+              <a:t>BitKeeper</a:t>
+            </a:r>
+            <a:r>
+              <a:rPr lang="zh-CN" altLang="en-US" sz="1800" dirty="0"/>
+              <a:t>的授权</a:t>
+            </a:r>
+            <a:r>
+              <a:rPr lang="en-US" altLang="zh-CN" sz="1800" dirty="0"/>
+              <a:t>[12]</a:t>
+            </a:r>
+            <a:r>
+              <a:rPr lang="zh-CN" altLang="en-US" sz="1800" dirty="0"/>
+              <a:t>。迫不得已，</a:t>
+            </a:r>
+            <a:r>
+              <a:rPr lang="en-US" altLang="zh-CN" sz="1800" dirty="0"/>
+              <a:t>Linus</a:t>
+            </a:r>
+            <a:r>
+              <a:rPr lang="zh-CN" altLang="en-US" sz="1800" dirty="0"/>
+              <a:t>选择了自己开发一个分布式版本控制工具以替代</a:t>
+            </a:r>
+            <a:r>
+              <a:rPr lang="en-US" altLang="zh-CN" sz="1800" dirty="0" err="1"/>
+              <a:t>BitKeeper</a:t>
+            </a:r>
+            <a:r>
+              <a:rPr lang="zh-CN" altLang="en-US" sz="1800" dirty="0"/>
+              <a:t>。以下是</a:t>
+            </a:r>
+            <a:r>
+              <a:rPr lang="en-US" altLang="zh-CN" sz="1800" dirty="0" err="1"/>
+              <a:t>Git</a:t>
+            </a:r>
+            <a:r>
+              <a:rPr lang="zh-CN" altLang="en-US" sz="1800" dirty="0"/>
+              <a:t>诞生大事记</a:t>
+            </a:r>
+            <a:r>
+              <a:rPr lang="en-US" altLang="zh-CN" sz="1800" dirty="0"/>
+              <a:t>[13]</a:t>
+            </a:r>
+            <a:r>
+              <a:rPr lang="zh-CN" altLang="en-US" sz="1800" dirty="0"/>
+              <a:t>：</a:t>
+            </a:r>
+          </a:p>
+          <a:p>
+            <a:pPr algn="l"/>
+            <a:endParaRPr lang="zh-CN" altLang="en-US" sz="1800" dirty="0"/>
+          </a:p>
+          <a:p>
+            <a:pPr algn="l"/>
+            <a:r>
+              <a:rPr lang="en-US" altLang="zh-CN" sz="1800" dirty="0"/>
+              <a:t>2005</a:t>
+            </a:r>
+            <a:r>
+              <a:rPr lang="zh-CN" altLang="en-US" sz="1800" dirty="0"/>
+              <a:t>年</a:t>
+            </a:r>
+            <a:r>
+              <a:rPr lang="en-US" altLang="zh-CN" sz="1800" dirty="0"/>
+              <a:t>4</a:t>
+            </a:r>
+            <a:r>
+              <a:rPr lang="zh-CN" altLang="en-US" sz="1800" dirty="0"/>
+              <a:t>月</a:t>
+            </a:r>
+            <a:r>
+              <a:rPr lang="en-US" altLang="zh-CN" sz="1800" dirty="0"/>
+              <a:t>3</a:t>
+            </a:r>
+            <a:r>
+              <a:rPr lang="zh-CN" altLang="en-US" sz="1800" dirty="0"/>
+              <a:t>日，开始开发</a:t>
+            </a:r>
+            <a:r>
+              <a:rPr lang="en-US" altLang="zh-CN" sz="1800" dirty="0" err="1"/>
+              <a:t>Git</a:t>
+            </a:r>
+            <a:r>
+              <a:rPr lang="zh-CN" altLang="en-US" sz="1800" dirty="0"/>
+              <a:t>。</a:t>
+            </a:r>
+          </a:p>
+          <a:p>
+            <a:pPr algn="l"/>
+            <a:r>
+              <a:rPr lang="en-US" altLang="zh-CN" sz="1800" dirty="0"/>
+              <a:t>2005</a:t>
+            </a:r>
+            <a:r>
+              <a:rPr lang="zh-CN" altLang="en-US" sz="1800" dirty="0"/>
+              <a:t>年</a:t>
+            </a:r>
+            <a:r>
+              <a:rPr lang="en-US" altLang="zh-CN" sz="1800" dirty="0"/>
+              <a:t>4</a:t>
+            </a:r>
+            <a:r>
+              <a:rPr lang="zh-CN" altLang="en-US" sz="1800" dirty="0"/>
+              <a:t>月</a:t>
+            </a:r>
+            <a:r>
+              <a:rPr lang="en-US" altLang="zh-CN" sz="1800" dirty="0"/>
+              <a:t>6</a:t>
+            </a:r>
+            <a:r>
+              <a:rPr lang="zh-CN" altLang="en-US" sz="1800" dirty="0"/>
+              <a:t>日，项目发布。</a:t>
+            </a:r>
+          </a:p>
+          <a:p>
+            <a:pPr algn="l"/>
+            <a:r>
+              <a:rPr lang="en-US" altLang="zh-CN" sz="1800" dirty="0"/>
+              <a:t>2005</a:t>
+            </a:r>
+            <a:r>
+              <a:rPr lang="zh-CN" altLang="en-US" sz="1800" dirty="0"/>
+              <a:t>年</a:t>
+            </a:r>
+            <a:r>
+              <a:rPr lang="en-US" altLang="zh-CN" sz="1800" dirty="0"/>
+              <a:t>4</a:t>
+            </a:r>
+            <a:r>
+              <a:rPr lang="zh-CN" altLang="en-US" sz="1800" dirty="0"/>
+              <a:t>月</a:t>
+            </a:r>
+            <a:r>
+              <a:rPr lang="en-US" altLang="zh-CN" sz="1800" dirty="0"/>
+              <a:t>7</a:t>
+            </a:r>
+            <a:r>
+              <a:rPr lang="zh-CN" altLang="en-US" sz="1800" dirty="0"/>
+              <a:t>日，</a:t>
+            </a:r>
+            <a:r>
+              <a:rPr lang="en-US" altLang="zh-CN" sz="1800" dirty="0" err="1"/>
+              <a:t>Git</a:t>
+            </a:r>
+            <a:r>
+              <a:rPr lang="zh-CN" altLang="en-US" sz="1800" dirty="0"/>
+              <a:t>就可以作为自身的版本控制工具了。</a:t>
+            </a:r>
+          </a:p>
+          <a:p>
+            <a:pPr algn="l"/>
+            <a:r>
+              <a:rPr lang="en-US" altLang="zh-CN" sz="1800" dirty="0" smtClean="0"/>
+              <a:t>2005</a:t>
+            </a:r>
+            <a:r>
+              <a:rPr lang="zh-CN" altLang="en-US" sz="1800" dirty="0"/>
+              <a:t>年</a:t>
+            </a:r>
+            <a:r>
+              <a:rPr lang="en-US" altLang="zh-CN" sz="1800" dirty="0"/>
+              <a:t>4</a:t>
+            </a:r>
+            <a:r>
+              <a:rPr lang="zh-CN" altLang="en-US" sz="1800" dirty="0"/>
+              <a:t>月</a:t>
+            </a:r>
+            <a:r>
+              <a:rPr lang="en-US" altLang="zh-CN" sz="1800" dirty="0"/>
+              <a:t>29</a:t>
+            </a:r>
+            <a:r>
+              <a:rPr lang="zh-CN" altLang="en-US" sz="1800" dirty="0"/>
+              <a:t>日，</a:t>
+            </a:r>
+            <a:r>
+              <a:rPr lang="en-US" altLang="zh-CN" sz="1800" dirty="0" err="1"/>
+              <a:t>Git</a:t>
+            </a:r>
+            <a:r>
+              <a:rPr lang="zh-CN" altLang="en-US" sz="1800" dirty="0"/>
+              <a:t>的性能就已经达到了</a:t>
+            </a:r>
+            <a:r>
+              <a:rPr lang="en-US" altLang="zh-CN" sz="1800" dirty="0"/>
+              <a:t>Linus</a:t>
+            </a:r>
+            <a:r>
+              <a:rPr lang="zh-CN" altLang="en-US" sz="1800" dirty="0"/>
+              <a:t>的预期。</a:t>
+            </a:r>
+          </a:p>
+          <a:p>
+            <a:pPr algn="l"/>
+            <a:r>
+              <a:rPr lang="en-US" altLang="zh-CN" sz="1800" dirty="0"/>
+              <a:t>2005</a:t>
+            </a:r>
+            <a:r>
+              <a:rPr lang="zh-CN" altLang="en-US" sz="1800" dirty="0"/>
+              <a:t>年</a:t>
+            </a:r>
+            <a:r>
+              <a:rPr lang="en-US" altLang="zh-CN" sz="1800" dirty="0"/>
+              <a:t>6</a:t>
+            </a:r>
+            <a:r>
+              <a:rPr lang="zh-CN" altLang="en-US" sz="1800" dirty="0"/>
+              <a:t>月</a:t>
+            </a:r>
+            <a:r>
+              <a:rPr lang="en-US" altLang="zh-CN" sz="1800" dirty="0"/>
+              <a:t>16</a:t>
+            </a:r>
+            <a:r>
+              <a:rPr lang="zh-CN" altLang="en-US" sz="1800" dirty="0"/>
+              <a:t>日，</a:t>
+            </a:r>
+            <a:r>
+              <a:rPr lang="en-US" altLang="zh-CN" sz="1800" dirty="0"/>
+              <a:t>Linux</a:t>
+            </a:r>
+            <a:r>
+              <a:rPr lang="zh-CN" altLang="en-US" sz="1800" dirty="0"/>
+              <a:t>核心</a:t>
+            </a:r>
+            <a:r>
+              <a:rPr lang="en-US" altLang="zh-CN" sz="1800" dirty="0"/>
+              <a:t>2.6.12</a:t>
+            </a:r>
+            <a:r>
+              <a:rPr lang="zh-CN" altLang="en-US" sz="1800" dirty="0"/>
+              <a:t>发布，那时</a:t>
+            </a:r>
+            <a:r>
+              <a:rPr lang="en-US" altLang="zh-CN" sz="1800" dirty="0" err="1"/>
+              <a:t>Git</a:t>
+            </a:r>
+            <a:r>
+              <a:rPr lang="zh-CN" altLang="en-US" sz="1800" dirty="0"/>
+              <a:t>已经在维护</a:t>
+            </a:r>
+            <a:r>
+              <a:rPr lang="en-US" altLang="zh-CN" sz="1800" dirty="0"/>
+              <a:t>Linux</a:t>
+            </a:r>
+            <a:r>
+              <a:rPr lang="zh-CN" altLang="en-US" sz="1800" dirty="0"/>
+              <a:t>核心的源代码了。</a:t>
+            </a:r>
+            <a:endParaRPr lang="en-US" altLang="zh-CN" sz="1800" dirty="0" smtClean="0"/>
+          </a:p>
+        </p:txBody>
+      </p:sp>
+    </p:spTree>
+    <p:extLst>
+      <p:ext uri="{BB962C8B-B14F-4D97-AF65-F5344CB8AC3E}">
+        <p14:creationId xmlns:p14="http://schemas.microsoft.com/office/powerpoint/2010/main" val="3721836243"/>
+      </p:ext>
+    </p:extLst>
+  </p:cSld>
+  <p:clrMapOvr>
+    <a:masterClrMapping/>
+  </p:clrMapOvr>
+  <p:timing>
+    <p:tnLst>
+      <p:par>
+        <p:cTn id="1" dur="indefinite" restart="never" nodeType="tmRoot"/>
+      </p:par>
+    </p:tnLst>
+  </p:timing>
+</p:sld>
+</file>
+
+<file path=ppt/slides/slide16.xml><?xml version="1.0" encoding="utf-8"?>
+<p:sld xmlns:a="http://schemas.openxmlformats.org/drawingml/2006/main" xmlns:r="http://schemas.openxmlformats.org/officeDocument/2006/relationships" xmlns:p="http://schemas.openxmlformats.org/presentationml/2006/main">
+  <p:cSld>
+    <p:spTree>
+      <p:nvGrpSpPr>
+        <p:cNvPr id="1" name=""/>
+        <p:cNvGrpSpPr/>
+        <p:nvPr/>
+      </p:nvGrpSpPr>
+      <p:grpSpPr>
+        <a:xfrm>
+          <a:off x="0" y="0"/>
+          <a:ext cx="0" cy="0"/>
+          <a:chOff x="0" y="0"/>
+          <a:chExt cx="0" cy="0"/>
+        </a:xfrm>
+      </p:grpSpPr>
+      <p:sp>
+        <p:nvSpPr>
+          <p:cNvPr id="3" name="Subtitle 2"/>
+          <p:cNvSpPr>
+            <a:spLocks noGrp="1"/>
+          </p:cNvSpPr>
+          <p:nvPr>
+            <p:ph type="subTitle" idx="1"/>
+          </p:nvPr>
+        </p:nvSpPr>
+        <p:spPr>
+          <a:xfrm>
+            <a:off x="1524000" y="430305"/>
+            <a:ext cx="9144000" cy="6131859"/>
+          </a:xfrm>
+        </p:spPr>
+        <p:txBody>
+          <a:bodyPr>
+            <a:normAutofit/>
+          </a:bodyPr>
+          <a:lstStyle/>
+          <a:p>
+            <a:pPr algn="l"/>
+            <a:endParaRPr lang="en-US" altLang="zh-CN" sz="1800" dirty="0" smtClean="0"/>
+          </a:p>
+        </p:txBody>
+      </p:sp>
+      <p:pic>
+        <p:nvPicPr>
+          <p:cNvPr id="2" name="Picture 1"/>
+          <p:cNvPicPr>
+            <a:picLocks noChangeAspect="1"/>
+          </p:cNvPicPr>
+          <p:nvPr/>
+        </p:nvPicPr>
+        <p:blipFill>
+          <a:blip r:embed="rId2"/>
+          <a:stretch>
+            <a:fillRect/>
+          </a:stretch>
+        </p:blipFill>
+        <p:spPr>
+          <a:xfrm>
+            <a:off x="886094" y="255498"/>
+            <a:ext cx="9544050" cy="5419725"/>
+          </a:xfrm>
+          <a:prstGeom prst="rect">
+            <a:avLst/>
+          </a:prstGeom>
+        </p:spPr>
+      </p:pic>
+    </p:spTree>
+    <p:extLst>
+      <p:ext uri="{BB962C8B-B14F-4D97-AF65-F5344CB8AC3E}">
+        <p14:creationId xmlns:p14="http://schemas.microsoft.com/office/powerpoint/2010/main" val="3566386788"/>
+      </p:ext>
+    </p:extLst>
+  </p:cSld>
+  <p:clrMapOvr>
+    <a:masterClrMapping/>
+  </p:clrMapOvr>
+  <p:timing>
+    <p:tnLst>
+      <p:par>
+        <p:cTn id="1" dur="indefinite" restart="never" nodeType="tmRoot"/>
+      </p:par>
+    </p:tnLst>
+  </p:timing>
+</p:sld>
+</file>
+
+<file path=ppt/slides/slide17.xml><?xml version="1.0" encoding="utf-8"?>
+<p:sld xmlns:a="http://schemas.openxmlformats.org/drawingml/2006/main" xmlns:r="http://schemas.openxmlformats.org/officeDocument/2006/relationships" xmlns:p="http://schemas.openxmlformats.org/presentationml/2006/main">
+  <p:cSld>
+    <p:spTree>
+      <p:nvGrpSpPr>
+        <p:cNvPr id="1" name=""/>
+        <p:cNvGrpSpPr/>
+        <p:nvPr/>
+      </p:nvGrpSpPr>
+      <p:grpSpPr>
+        <a:xfrm>
+          <a:off x="0" y="0"/>
+          <a:ext cx="0" cy="0"/>
+          <a:chOff x="0" y="0"/>
+          <a:chExt cx="0" cy="0"/>
+        </a:xfrm>
+      </p:grpSpPr>
+      <p:sp>
+        <p:nvSpPr>
+          <p:cNvPr id="3" name="Subtitle 2"/>
+          <p:cNvSpPr>
+            <a:spLocks noGrp="1"/>
+          </p:cNvSpPr>
+          <p:nvPr>
+            <p:ph type="subTitle" idx="1"/>
+          </p:nvPr>
+        </p:nvSpPr>
+        <p:spPr>
+          <a:xfrm>
+            <a:off x="1524000" y="430305"/>
+            <a:ext cx="9144000" cy="6131859"/>
+          </a:xfrm>
+        </p:spPr>
+        <p:txBody>
+          <a:bodyPr>
+            <a:normAutofit/>
+          </a:bodyPr>
+          <a:lstStyle/>
+          <a:p>
+            <a:pPr algn="l"/>
+            <a:r>
+              <a:rPr lang="zh-CN" altLang="en-US" sz="1800" dirty="0"/>
+              <a:t>文件在 </a:t>
+            </a:r>
+            <a:r>
+              <a:rPr lang="en-US" altLang="zh-CN" sz="1800" dirty="0" err="1"/>
+              <a:t>Git</a:t>
+            </a:r>
+            <a:r>
+              <a:rPr lang="en-US" altLang="zh-CN" sz="1800" dirty="0"/>
+              <a:t> </a:t>
+            </a:r>
+            <a:r>
+              <a:rPr lang="zh-CN" altLang="en-US" sz="1800" dirty="0"/>
+              <a:t>中的几种状态</a:t>
+            </a:r>
+          </a:p>
+          <a:p>
+            <a:pPr algn="l"/>
+            <a:r>
+              <a:rPr lang="en-US" altLang="zh-CN" sz="1800" dirty="0"/>
+              <a:t>untracked</a:t>
+            </a:r>
+            <a:r>
+              <a:rPr lang="zh-CN" altLang="en-US" sz="1800" dirty="0"/>
+              <a:t>（未跟踪）：文件尚未被 </a:t>
+            </a:r>
+            <a:r>
+              <a:rPr lang="en-US" altLang="zh-CN" sz="1800" dirty="0" err="1"/>
+              <a:t>Git</a:t>
+            </a:r>
+            <a:r>
+              <a:rPr lang="en-US" altLang="zh-CN" sz="1800" dirty="0"/>
+              <a:t> </a:t>
+            </a:r>
+            <a:r>
+              <a:rPr lang="zh-CN" altLang="en-US" sz="1800" dirty="0"/>
+              <a:t>纳入到跟踪内容，比如在 </a:t>
+            </a:r>
+            <a:r>
+              <a:rPr lang="en-US" altLang="zh-CN" sz="1800" dirty="0" err="1"/>
+              <a:t>Git</a:t>
+            </a:r>
+            <a:r>
+              <a:rPr lang="en-US" altLang="zh-CN" sz="1800" dirty="0"/>
+              <a:t> </a:t>
+            </a:r>
+            <a:r>
+              <a:rPr lang="zh-CN" altLang="en-US" sz="1800" dirty="0"/>
+              <a:t>中新建一个文件 </a:t>
+            </a:r>
+            <a:r>
+              <a:rPr lang="en-US" altLang="zh-CN" sz="1800" dirty="0"/>
+              <a:t>a.txt</a:t>
+            </a:r>
+            <a:r>
+              <a:rPr lang="zh-CN" altLang="en-US" sz="1800" dirty="0"/>
+              <a:t>，这个文件当前状态就是 </a:t>
+            </a:r>
+            <a:r>
+              <a:rPr lang="en-US" altLang="zh-CN" sz="1800" dirty="0"/>
+              <a:t>untracked</a:t>
+            </a:r>
+          </a:p>
+          <a:p>
+            <a:pPr algn="l"/>
+            <a:r>
+              <a:rPr lang="en-US" altLang="zh-CN" sz="1800" dirty="0"/>
+              <a:t> unmodified</a:t>
+            </a:r>
+            <a:r>
+              <a:rPr lang="zh-CN" altLang="en-US" sz="1800" dirty="0"/>
+              <a:t>（未修改）：文件在 </a:t>
+            </a:r>
+            <a:r>
+              <a:rPr lang="en-US" altLang="zh-CN" sz="1800" dirty="0" err="1"/>
+              <a:t>Git</a:t>
+            </a:r>
+            <a:r>
+              <a:rPr lang="en-US" altLang="zh-CN" sz="1800" dirty="0"/>
+              <a:t> </a:t>
+            </a:r>
+            <a:r>
+              <a:rPr lang="zh-CN" altLang="en-US" sz="1800" dirty="0"/>
+              <a:t>跟踪内容下，但是没有任何更改，比如 </a:t>
+            </a:r>
+            <a:r>
+              <a:rPr lang="en-US" altLang="zh-CN" sz="1800" dirty="0"/>
+              <a:t>clone </a:t>
+            </a:r>
+            <a:r>
+              <a:rPr lang="zh-CN" altLang="en-US" sz="1800" dirty="0"/>
+              <a:t>一个项目，此时项目中的文件都是 </a:t>
+            </a:r>
+            <a:r>
+              <a:rPr lang="en-US" altLang="zh-CN" sz="1800" dirty="0"/>
+              <a:t>unmodified</a:t>
+            </a:r>
+          </a:p>
+          <a:p>
+            <a:pPr algn="l"/>
+            <a:r>
+              <a:rPr lang="en-US" altLang="zh-CN" sz="1800" dirty="0"/>
+              <a:t> modified</a:t>
+            </a:r>
+            <a:r>
+              <a:rPr lang="zh-CN" altLang="en-US" sz="1800" dirty="0"/>
+              <a:t>（已修改）：文件在 </a:t>
+            </a:r>
+            <a:r>
+              <a:rPr lang="en-US" altLang="zh-CN" sz="1800" dirty="0" err="1"/>
+              <a:t>Git</a:t>
+            </a:r>
+            <a:r>
+              <a:rPr lang="en-US" altLang="zh-CN" sz="1800" dirty="0"/>
+              <a:t> </a:t>
+            </a:r>
+            <a:r>
+              <a:rPr lang="zh-CN" altLang="en-US" sz="1800" dirty="0"/>
+              <a:t>跟踪内容下，经过编辑，但还没有提交保存</a:t>
+            </a:r>
+          </a:p>
+          <a:p>
+            <a:pPr algn="l"/>
+            <a:r>
+              <a:rPr lang="zh-CN" altLang="en-US" sz="1800" dirty="0"/>
+              <a:t> </a:t>
+            </a:r>
+            <a:r>
+              <a:rPr lang="en-US" altLang="zh-CN" sz="1800" dirty="0"/>
+              <a:t>staged</a:t>
+            </a:r>
+            <a:r>
+              <a:rPr lang="zh-CN" altLang="en-US" sz="1800" dirty="0"/>
+              <a:t>（暂存）：表示把已修改的文件放在下次提交时要保存的清单中</a:t>
+            </a:r>
+          </a:p>
+          <a:p>
+            <a:pPr algn="l"/>
+            <a:r>
+              <a:rPr lang="zh-CN" altLang="en-US" sz="1800" dirty="0"/>
+              <a:t> </a:t>
+            </a:r>
+            <a:r>
+              <a:rPr lang="en-US" altLang="zh-CN" sz="1800" dirty="0"/>
+              <a:t>committed</a:t>
+            </a:r>
+            <a:r>
+              <a:rPr lang="zh-CN" altLang="en-US" sz="1800" dirty="0"/>
+              <a:t>（已提交）：表示该文件已经被安全地保存在本地版本库中了</a:t>
+            </a:r>
+          </a:p>
+          <a:p>
+            <a:pPr algn="l"/>
+            <a:r>
+              <a:rPr lang="zh-CN" altLang="en-US" sz="1800" dirty="0"/>
+              <a:t>以上状态都是在本地完成转换，不需要依赖于服务器。</a:t>
+            </a:r>
+            <a:endParaRPr lang="en-US" altLang="zh-CN" sz="1800" dirty="0" smtClean="0"/>
+          </a:p>
+        </p:txBody>
+      </p:sp>
+    </p:spTree>
+    <p:extLst>
+      <p:ext uri="{BB962C8B-B14F-4D97-AF65-F5344CB8AC3E}">
+        <p14:creationId xmlns:p14="http://schemas.microsoft.com/office/powerpoint/2010/main" val="938629942"/>
+      </p:ext>
+    </p:extLst>
+  </p:cSld>
+  <p:clrMapOvr>
+    <a:masterClrMapping/>
+  </p:clrMapOvr>
+  <p:timing>
+    <p:tnLst>
+      <p:par>
+        <p:cTn id="1" dur="indefinite" restart="never" nodeType="tmRoot"/>
+      </p:par>
+    </p:tnLst>
+  </p:timing>
+</p:sld>
+</file>
+
+<file path=ppt/slides/slide18.xml><?xml version="1.0" encoding="utf-8"?>
+<p:sld xmlns:a="http://schemas.openxmlformats.org/drawingml/2006/main" xmlns:r="http://schemas.openxmlformats.org/officeDocument/2006/relationships" xmlns:p="http://schemas.openxmlformats.org/presentationml/2006/main">
+  <p:cSld>
+    <p:spTree>
+      <p:nvGrpSpPr>
+        <p:cNvPr id="1" name=""/>
+        <p:cNvGrpSpPr/>
+        <p:nvPr/>
+      </p:nvGrpSpPr>
+      <p:grpSpPr>
+        <a:xfrm>
+          <a:off x="0" y="0"/>
+          <a:ext cx="0" cy="0"/>
+          <a:chOff x="0" y="0"/>
+          <a:chExt cx="0" cy="0"/>
+        </a:xfrm>
+      </p:grpSpPr>
+      <p:sp>
+        <p:nvSpPr>
+          <p:cNvPr id="3" name="Subtitle 2"/>
+          <p:cNvSpPr>
+            <a:spLocks noGrp="1"/>
+          </p:cNvSpPr>
+          <p:nvPr>
+            <p:ph type="subTitle" idx="1"/>
+          </p:nvPr>
+        </p:nvSpPr>
+        <p:spPr>
+          <a:xfrm>
+            <a:off x="1524000" y="430305"/>
+            <a:ext cx="9144000" cy="6131859"/>
+          </a:xfrm>
+        </p:spPr>
+        <p:txBody>
+          <a:bodyPr>
+            <a:normAutofit/>
+          </a:bodyPr>
+          <a:lstStyle/>
+          <a:p>
+            <a:pPr algn="l"/>
+            <a:endParaRPr lang="en-US" altLang="zh-CN" sz="1800" dirty="0" smtClean="0"/>
+          </a:p>
+        </p:txBody>
+      </p:sp>
+      <p:pic>
+        <p:nvPicPr>
+          <p:cNvPr id="4098" name="Picture 2" descr="http://7tszky.com1.z0.glb.clouddn.com/Fnj3x0k-h6ELLDw1Kivza9s2CvVG"/>
+          <p:cNvPicPr>
+            <a:picLocks noChangeAspect="1" noChangeArrowheads="1"/>
+          </p:cNvPicPr>
+          <p:nvPr/>
+        </p:nvPicPr>
+        <p:blipFill>
+          <a:blip r:embed="rId2">
+            <a:extLst>
+              <a:ext uri="{28A0092B-C50C-407E-A947-70E740481C1C}">
+                <a14:useLocalDpi xmlns:a14="http://schemas.microsoft.com/office/drawing/2010/main" val="0"/>
+              </a:ext>
+            </a:extLst>
+          </a:blip>
+          <a:srcRect/>
+          <a:stretch>
+            <a:fillRect/>
+          </a:stretch>
+        </p:blipFill>
+        <p:spPr bwMode="auto">
+          <a:xfrm>
+            <a:off x="695325" y="154658"/>
+            <a:ext cx="9972675" cy="6934201"/>
+          </a:xfrm>
+          <a:prstGeom prst="rect">
+            <a:avLst/>
+          </a:prstGeom>
+          <a:noFill/>
+          <a:extLst>
+            <a:ext uri="{909E8E84-426E-40DD-AFC4-6F175D3DCCD1}">
+              <a14:hiddenFill xmlns:a14="http://schemas.microsoft.com/office/drawing/2010/main">
+                <a:solidFill>
+                  <a:srgbClr val="FFFFFF"/>
+                </a:solidFill>
+              </a14:hiddenFill>
+            </a:ext>
+          </a:extLst>
+        </p:spPr>
+      </p:pic>
+    </p:spTree>
+    <p:extLst>
+      <p:ext uri="{BB962C8B-B14F-4D97-AF65-F5344CB8AC3E}">
+        <p14:creationId xmlns:p14="http://schemas.microsoft.com/office/powerpoint/2010/main" val="1866947589"/>
+      </p:ext>
+    </p:extLst>
+  </p:cSld>
+  <p:clrMapOvr>
+    <a:masterClrMapping/>
+  </p:clrMapOvr>
+  <p:timing>
+    <p:tnLst>
+      <p:par>
+        <p:cTn id="1" dur="indefinite" restart="never" nodeType="tmRoot"/>
+      </p:par>
+    </p:tnLst>
+  </p:timing>
+</p:sld>
+</file>
+
+<file path=ppt/slides/slide19.xml><?xml version="1.0" encoding="utf-8"?>
+<p:sld xmlns:a="http://schemas.openxmlformats.org/drawingml/2006/main" xmlns:r="http://schemas.openxmlformats.org/officeDocument/2006/relationships" xmlns:p="http://schemas.openxmlformats.org/presentationml/2006/main">
+  <p:cSld>
+    <p:spTree>
+      <p:nvGrpSpPr>
+        <p:cNvPr id="1" name=""/>
+        <p:cNvGrpSpPr/>
+        <p:nvPr/>
+      </p:nvGrpSpPr>
+      <p:grpSpPr>
+        <a:xfrm>
+          <a:off x="0" y="0"/>
+          <a:ext cx="0" cy="0"/>
+          <a:chOff x="0" y="0"/>
+          <a:chExt cx="0" cy="0"/>
+        </a:xfrm>
+      </p:grpSpPr>
+      <p:sp>
+        <p:nvSpPr>
+          <p:cNvPr id="3" name="Subtitle 2"/>
+          <p:cNvSpPr>
+            <a:spLocks noGrp="1"/>
+          </p:cNvSpPr>
+          <p:nvPr>
+            <p:ph type="subTitle" idx="1"/>
+          </p:nvPr>
+        </p:nvSpPr>
+        <p:spPr>
+          <a:xfrm>
+            <a:off x="1524000" y="430305"/>
+            <a:ext cx="9144000" cy="6131859"/>
+          </a:xfrm>
+        </p:spPr>
+        <p:txBody>
+          <a:bodyPr>
+            <a:normAutofit/>
+          </a:bodyPr>
+          <a:lstStyle/>
+          <a:p>
+            <a:pPr algn="l"/>
+            <a:r>
+              <a:rPr lang="zh-CN" altLang="en-US" sz="1800" dirty="0"/>
+              <a:t>相关命令的简要说明如下：</a:t>
+            </a:r>
+          </a:p>
+          <a:p>
+            <a:pPr algn="l"/>
+            <a:r>
+              <a:rPr lang="en-US" altLang="zh-CN" sz="1800" dirty="0" err="1"/>
+              <a:t>git</a:t>
+            </a:r>
+            <a:r>
+              <a:rPr lang="en-US" altLang="zh-CN" sz="1800" dirty="0"/>
+              <a:t> add [file]</a:t>
+            </a:r>
+            <a:r>
+              <a:rPr lang="zh-CN" altLang="en-US" sz="1800" dirty="0"/>
+              <a:t>：把当前工作文件加入到暂存区域</a:t>
+            </a:r>
+          </a:p>
+          <a:p>
+            <a:pPr algn="l"/>
+            <a:r>
+              <a:rPr lang="en-US" altLang="zh-CN" sz="1800" dirty="0" err="1"/>
+              <a:t>git</a:t>
+            </a:r>
+            <a:r>
+              <a:rPr lang="en-US" altLang="zh-CN" sz="1800" dirty="0"/>
+              <a:t> commit</a:t>
+            </a:r>
+            <a:r>
+              <a:rPr lang="zh-CN" altLang="en-US" sz="1800" dirty="0"/>
+              <a:t>：在暂存区域生成文件快照并提交到本地仓库</a:t>
+            </a:r>
+          </a:p>
+          <a:p>
+            <a:pPr algn="l"/>
+            <a:r>
+              <a:rPr lang="en-US" altLang="zh-CN" sz="1800" dirty="0" err="1"/>
+              <a:t>git</a:t>
+            </a:r>
+            <a:r>
+              <a:rPr lang="en-US" altLang="zh-CN" sz="1800" dirty="0"/>
+              <a:t> </a:t>
+            </a:r>
+            <a:r>
+              <a:rPr lang="en-US" altLang="zh-CN" sz="1800" dirty="0" err="1"/>
+              <a:t>rm</a:t>
+            </a:r>
+            <a:r>
+              <a:rPr lang="en-US" altLang="zh-CN" sz="1800" dirty="0"/>
+              <a:t> --cached [file]</a:t>
+            </a:r>
+            <a:r>
+              <a:rPr lang="zh-CN" altLang="en-US" sz="1800" dirty="0"/>
+              <a:t>：删除文件在工作区中的索引，即文件回到未跟踪状态</a:t>
+            </a:r>
+          </a:p>
+          <a:p>
+            <a:pPr algn="l"/>
+            <a:r>
+              <a:rPr lang="en-US" altLang="zh-CN" sz="1800" dirty="0" err="1"/>
+              <a:t>git</a:t>
+            </a:r>
+            <a:r>
+              <a:rPr lang="en-US" altLang="zh-CN" sz="1800" dirty="0"/>
+              <a:t> reset HEAD [file]</a:t>
+            </a:r>
+            <a:r>
+              <a:rPr lang="zh-CN" altLang="en-US" sz="1800" dirty="0"/>
+              <a:t>：撤销文件暂存，可以理解为 </a:t>
+            </a:r>
+            <a:r>
+              <a:rPr lang="en-US" altLang="zh-CN" sz="1800" dirty="0" err="1"/>
+              <a:t>git</a:t>
+            </a:r>
+            <a:r>
+              <a:rPr lang="en-US" altLang="zh-CN" sz="1800" dirty="0"/>
+              <a:t> add [file] </a:t>
+            </a:r>
+            <a:r>
+              <a:rPr lang="zh-CN" altLang="en-US" sz="1800" dirty="0"/>
+              <a:t>的反操作</a:t>
+            </a:r>
+          </a:p>
+          <a:p>
+            <a:pPr algn="l"/>
+            <a:r>
+              <a:rPr lang="en-US" altLang="zh-CN" sz="1800" dirty="0" err="1"/>
+              <a:t>git</a:t>
+            </a:r>
+            <a:r>
+              <a:rPr lang="en-US" altLang="zh-CN" sz="1800" dirty="0"/>
+              <a:t> checkout -- [file]</a:t>
+            </a:r>
+            <a:r>
+              <a:rPr lang="zh-CN" altLang="en-US" sz="1800" dirty="0"/>
+              <a:t>：把文件从暂存区域覆盖到工作目录，用来丢弃本地修改</a:t>
+            </a:r>
+            <a:endParaRPr lang="en-US" altLang="zh-CN" sz="1800" dirty="0" smtClean="0"/>
+          </a:p>
+        </p:txBody>
+      </p:sp>
+    </p:spTree>
+    <p:extLst>
+      <p:ext uri="{BB962C8B-B14F-4D97-AF65-F5344CB8AC3E}">
+        <p14:creationId xmlns:p14="http://schemas.microsoft.com/office/powerpoint/2010/main" val="374944211"/>
       </p:ext>
     </p:extLst>
   </p:cSld>
@@ -3327,6 +5104,951 @@
     <p:extLst>
       <p:ext uri="{BB962C8B-B14F-4D97-AF65-F5344CB8AC3E}">
         <p14:creationId xmlns:p14="http://schemas.microsoft.com/office/powerpoint/2010/main" val="3242660517"/>
+      </p:ext>
+    </p:extLst>
+  </p:cSld>
+  <p:clrMapOvr>
+    <a:masterClrMapping/>
+  </p:clrMapOvr>
+  <p:timing>
+    <p:tnLst>
+      <p:par>
+        <p:cTn id="1" dur="indefinite" restart="never" nodeType="tmRoot"/>
+      </p:par>
+    </p:tnLst>
+  </p:timing>
+</p:sld>
+</file>
+
+<file path=ppt/slides/slide20.xml><?xml version="1.0" encoding="utf-8"?>
+<p:sld xmlns:a="http://schemas.openxmlformats.org/drawingml/2006/main" xmlns:r="http://schemas.openxmlformats.org/officeDocument/2006/relationships" xmlns:p="http://schemas.openxmlformats.org/presentationml/2006/main">
+  <p:cSld>
+    <p:spTree>
+      <p:nvGrpSpPr>
+        <p:cNvPr id="1" name=""/>
+        <p:cNvGrpSpPr/>
+        <p:nvPr/>
+      </p:nvGrpSpPr>
+      <p:grpSpPr>
+        <a:xfrm>
+          <a:off x="0" y="0"/>
+          <a:ext cx="0" cy="0"/>
+          <a:chOff x="0" y="0"/>
+          <a:chExt cx="0" cy="0"/>
+        </a:xfrm>
+      </p:grpSpPr>
+      <p:sp>
+        <p:nvSpPr>
+          <p:cNvPr id="3" name="Subtitle 2"/>
+          <p:cNvSpPr>
+            <a:spLocks noGrp="1"/>
+          </p:cNvSpPr>
+          <p:nvPr>
+            <p:ph type="subTitle" idx="1"/>
+          </p:nvPr>
+        </p:nvSpPr>
+        <p:spPr>
+          <a:xfrm>
+            <a:off x="1524000" y="430305"/>
+            <a:ext cx="9144000" cy="6131859"/>
+          </a:xfrm>
+        </p:spPr>
+        <p:txBody>
+          <a:bodyPr>
+            <a:normAutofit/>
+          </a:bodyPr>
+          <a:lstStyle/>
+          <a:p>
+            <a:pPr algn="l"/>
+            <a:endParaRPr lang="en-US" altLang="zh-CN" sz="1800" dirty="0" smtClean="0"/>
+          </a:p>
+        </p:txBody>
+      </p:sp>
+      <p:pic>
+        <p:nvPicPr>
+          <p:cNvPr id="5122" name="Picture 2" descr="git"/>
+          <p:cNvPicPr>
+            <a:picLocks noChangeAspect="1" noChangeArrowheads="1"/>
+          </p:cNvPicPr>
+          <p:nvPr/>
+        </p:nvPicPr>
+        <p:blipFill>
+          <a:blip r:embed="rId2">
+            <a:extLst>
+              <a:ext uri="{28A0092B-C50C-407E-A947-70E740481C1C}">
+                <a14:useLocalDpi xmlns:a14="http://schemas.microsoft.com/office/drawing/2010/main" val="0"/>
+              </a:ext>
+            </a:extLst>
+          </a:blip>
+          <a:srcRect/>
+          <a:stretch>
+            <a:fillRect/>
+          </a:stretch>
+        </p:blipFill>
+        <p:spPr bwMode="auto">
+          <a:xfrm>
+            <a:off x="1288916" y="1062618"/>
+            <a:ext cx="7620000" cy="2162176"/>
+          </a:xfrm>
+          <a:prstGeom prst="rect">
+            <a:avLst/>
+          </a:prstGeom>
+          <a:noFill/>
+          <a:extLst>
+            <a:ext uri="{909E8E84-426E-40DD-AFC4-6F175D3DCCD1}">
+              <a14:hiddenFill xmlns:a14="http://schemas.microsoft.com/office/drawing/2010/main">
+                <a:solidFill>
+                  <a:srgbClr val="FFFFFF"/>
+                </a:solidFill>
+              </a14:hiddenFill>
+            </a:ext>
+          </a:extLst>
+        </p:spPr>
+      </p:pic>
+    </p:spTree>
+    <p:extLst>
+      <p:ext uri="{BB962C8B-B14F-4D97-AF65-F5344CB8AC3E}">
+        <p14:creationId xmlns:p14="http://schemas.microsoft.com/office/powerpoint/2010/main" val="4138640486"/>
+      </p:ext>
+    </p:extLst>
+  </p:cSld>
+  <p:clrMapOvr>
+    <a:masterClrMapping/>
+  </p:clrMapOvr>
+  <p:timing>
+    <p:tnLst>
+      <p:par>
+        <p:cTn id="1" dur="indefinite" restart="never" nodeType="tmRoot"/>
+      </p:par>
+    </p:tnLst>
+  </p:timing>
+</p:sld>
+</file>
+
+<file path=ppt/slides/slide21.xml><?xml version="1.0" encoding="utf-8"?>
+<p:sld xmlns:a="http://schemas.openxmlformats.org/drawingml/2006/main" xmlns:r="http://schemas.openxmlformats.org/officeDocument/2006/relationships" xmlns:p="http://schemas.openxmlformats.org/presentationml/2006/main">
+  <p:cSld>
+    <p:spTree>
+      <p:nvGrpSpPr>
+        <p:cNvPr id="1" name=""/>
+        <p:cNvGrpSpPr/>
+        <p:nvPr/>
+      </p:nvGrpSpPr>
+      <p:grpSpPr>
+        <a:xfrm>
+          <a:off x="0" y="0"/>
+          <a:ext cx="0" cy="0"/>
+          <a:chOff x="0" y="0"/>
+          <a:chExt cx="0" cy="0"/>
+        </a:xfrm>
+      </p:grpSpPr>
+      <p:sp>
+        <p:nvSpPr>
+          <p:cNvPr id="3" name="Subtitle 2"/>
+          <p:cNvSpPr>
+            <a:spLocks noGrp="1"/>
+          </p:cNvSpPr>
+          <p:nvPr>
+            <p:ph type="subTitle" idx="1"/>
+          </p:nvPr>
+        </p:nvSpPr>
+        <p:spPr>
+          <a:xfrm>
+            <a:off x="1524000" y="430305"/>
+            <a:ext cx="9144000" cy="6131859"/>
+          </a:xfrm>
+        </p:spPr>
+        <p:txBody>
+          <a:bodyPr>
+            <a:normAutofit/>
+          </a:bodyPr>
+          <a:lstStyle/>
+          <a:p>
+            <a:pPr algn="l"/>
+            <a:endParaRPr lang="en-US" altLang="zh-CN" sz="1800" dirty="0" smtClean="0"/>
+          </a:p>
+        </p:txBody>
+      </p:sp>
+      <p:pic>
+        <p:nvPicPr>
+          <p:cNvPr id="6146" name="Picture 2" descr="http://images2015.cnblogs.com/blog/697835/201512/697835-20151214145118787-2133229123.png"/>
+          <p:cNvPicPr>
+            <a:picLocks noChangeAspect="1" noChangeArrowheads="1"/>
+          </p:cNvPicPr>
+          <p:nvPr/>
+        </p:nvPicPr>
+        <p:blipFill>
+          <a:blip r:embed="rId2">
+            <a:extLst>
+              <a:ext uri="{28A0092B-C50C-407E-A947-70E740481C1C}">
+                <a14:useLocalDpi xmlns:a14="http://schemas.microsoft.com/office/drawing/2010/main" val="0"/>
+              </a:ext>
+            </a:extLst>
+          </a:blip>
+          <a:srcRect/>
+          <a:stretch>
+            <a:fillRect/>
+          </a:stretch>
+        </p:blipFill>
+        <p:spPr bwMode="auto">
+          <a:xfrm>
+            <a:off x="954065" y="430305"/>
+            <a:ext cx="6505575" cy="5105401"/>
+          </a:xfrm>
+          <a:prstGeom prst="rect">
+            <a:avLst/>
+          </a:prstGeom>
+          <a:noFill/>
+          <a:extLst>
+            <a:ext uri="{909E8E84-426E-40DD-AFC4-6F175D3DCCD1}">
+              <a14:hiddenFill xmlns:a14="http://schemas.microsoft.com/office/drawing/2010/main">
+                <a:solidFill>
+                  <a:srgbClr val="FFFFFF"/>
+                </a:solidFill>
+              </a14:hiddenFill>
+            </a:ext>
+          </a:extLst>
+        </p:spPr>
+      </p:pic>
+    </p:spTree>
+    <p:extLst>
+      <p:ext uri="{BB962C8B-B14F-4D97-AF65-F5344CB8AC3E}">
+        <p14:creationId xmlns:p14="http://schemas.microsoft.com/office/powerpoint/2010/main" val="3094769308"/>
+      </p:ext>
+    </p:extLst>
+  </p:cSld>
+  <p:clrMapOvr>
+    <a:masterClrMapping/>
+  </p:clrMapOvr>
+  <p:timing>
+    <p:tnLst>
+      <p:par>
+        <p:cTn id="1" dur="indefinite" restart="never" nodeType="tmRoot"/>
+      </p:par>
+    </p:tnLst>
+  </p:timing>
+</p:sld>
+</file>
+
+<file path=ppt/slides/slide22.xml><?xml version="1.0" encoding="utf-8"?>
+<p:sld xmlns:a="http://schemas.openxmlformats.org/drawingml/2006/main" xmlns:r="http://schemas.openxmlformats.org/officeDocument/2006/relationships" xmlns:p="http://schemas.openxmlformats.org/presentationml/2006/main">
+  <p:cSld>
+    <p:spTree>
+      <p:nvGrpSpPr>
+        <p:cNvPr id="1" name=""/>
+        <p:cNvGrpSpPr/>
+        <p:nvPr/>
+      </p:nvGrpSpPr>
+      <p:grpSpPr>
+        <a:xfrm>
+          <a:off x="0" y="0"/>
+          <a:ext cx="0" cy="0"/>
+          <a:chOff x="0" y="0"/>
+          <a:chExt cx="0" cy="0"/>
+        </a:xfrm>
+      </p:grpSpPr>
+      <p:sp>
+        <p:nvSpPr>
+          <p:cNvPr id="3" name="Subtitle 2"/>
+          <p:cNvSpPr>
+            <a:spLocks noGrp="1"/>
+          </p:cNvSpPr>
+          <p:nvPr>
+            <p:ph type="subTitle" idx="1"/>
+          </p:nvPr>
+        </p:nvSpPr>
+        <p:spPr>
+          <a:xfrm>
+            <a:off x="1524000" y="430305"/>
+            <a:ext cx="9144000" cy="6131859"/>
+          </a:xfrm>
+        </p:spPr>
+        <p:txBody>
+          <a:bodyPr>
+            <a:normAutofit/>
+          </a:bodyPr>
+          <a:lstStyle/>
+          <a:p>
+            <a:pPr algn="l"/>
+            <a:endParaRPr lang="en-US" altLang="zh-CN" sz="1800" dirty="0" smtClean="0"/>
+          </a:p>
+        </p:txBody>
+      </p:sp>
+      <p:pic>
+        <p:nvPicPr>
+          <p:cNvPr id="7170" name="Picture 2" descr="http://images2015.cnblogs.com/blog/697835/201512/697835-20151214145840146-791193426.png"/>
+          <p:cNvPicPr>
+            <a:picLocks noChangeAspect="1" noChangeArrowheads="1"/>
+          </p:cNvPicPr>
+          <p:nvPr/>
+        </p:nvPicPr>
+        <p:blipFill>
+          <a:blip r:embed="rId2">
+            <a:extLst>
+              <a:ext uri="{28A0092B-C50C-407E-A947-70E740481C1C}">
+                <a14:useLocalDpi xmlns:a14="http://schemas.microsoft.com/office/drawing/2010/main" val="0"/>
+              </a:ext>
+            </a:extLst>
+          </a:blip>
+          <a:srcRect/>
+          <a:stretch>
+            <a:fillRect/>
+          </a:stretch>
+        </p:blipFill>
+        <p:spPr bwMode="auto">
+          <a:xfrm>
+            <a:off x="1237401" y="0"/>
+            <a:ext cx="7505700" cy="7448551"/>
+          </a:xfrm>
+          <a:prstGeom prst="rect">
+            <a:avLst/>
+          </a:prstGeom>
+          <a:noFill/>
+          <a:extLst>
+            <a:ext uri="{909E8E84-426E-40DD-AFC4-6F175D3DCCD1}">
+              <a14:hiddenFill xmlns:a14="http://schemas.microsoft.com/office/drawing/2010/main">
+                <a:solidFill>
+                  <a:srgbClr val="FFFFFF"/>
+                </a:solidFill>
+              </a14:hiddenFill>
+            </a:ext>
+          </a:extLst>
+        </p:spPr>
+      </p:pic>
+    </p:spTree>
+    <p:extLst>
+      <p:ext uri="{BB962C8B-B14F-4D97-AF65-F5344CB8AC3E}">
+        <p14:creationId xmlns:p14="http://schemas.microsoft.com/office/powerpoint/2010/main" val="900177005"/>
+      </p:ext>
+    </p:extLst>
+  </p:cSld>
+  <p:clrMapOvr>
+    <a:masterClrMapping/>
+  </p:clrMapOvr>
+  <p:timing>
+    <p:tnLst>
+      <p:par>
+        <p:cTn id="1" dur="indefinite" restart="never" nodeType="tmRoot"/>
+      </p:par>
+    </p:tnLst>
+  </p:timing>
+</p:sld>
+</file>
+
+<file path=ppt/slides/slide23.xml><?xml version="1.0" encoding="utf-8"?>
+<p:sld xmlns:a="http://schemas.openxmlformats.org/drawingml/2006/main" xmlns:r="http://schemas.openxmlformats.org/officeDocument/2006/relationships" xmlns:p="http://schemas.openxmlformats.org/presentationml/2006/main">
+  <p:cSld>
+    <p:spTree>
+      <p:nvGrpSpPr>
+        <p:cNvPr id="1" name=""/>
+        <p:cNvGrpSpPr/>
+        <p:nvPr/>
+      </p:nvGrpSpPr>
+      <p:grpSpPr>
+        <a:xfrm>
+          <a:off x="0" y="0"/>
+          <a:ext cx="0" cy="0"/>
+          <a:chOff x="0" y="0"/>
+          <a:chExt cx="0" cy="0"/>
+        </a:xfrm>
+      </p:grpSpPr>
+      <p:sp>
+        <p:nvSpPr>
+          <p:cNvPr id="3" name="Subtitle 2"/>
+          <p:cNvSpPr>
+            <a:spLocks noGrp="1"/>
+          </p:cNvSpPr>
+          <p:nvPr>
+            <p:ph type="subTitle" idx="1"/>
+          </p:nvPr>
+        </p:nvSpPr>
+        <p:spPr>
+          <a:xfrm>
+            <a:off x="1524000" y="430305"/>
+            <a:ext cx="9144000" cy="6131859"/>
+          </a:xfrm>
+        </p:spPr>
+        <p:txBody>
+          <a:bodyPr>
+            <a:normAutofit/>
+          </a:bodyPr>
+          <a:lstStyle/>
+          <a:p>
+            <a:pPr algn="l"/>
+            <a:endParaRPr lang="en-US" altLang="zh-CN" sz="1800" dirty="0" smtClean="0"/>
+          </a:p>
+        </p:txBody>
+      </p:sp>
+      <p:pic>
+        <p:nvPicPr>
+          <p:cNvPr id="8194" name="Picture 2" descr="如何通过eclipse在GitHub上分享项目,并进行Team版本同步开发？"/>
+          <p:cNvPicPr>
+            <a:picLocks noChangeAspect="1" noChangeArrowheads="1"/>
+          </p:cNvPicPr>
+          <p:nvPr/>
+        </p:nvPicPr>
+        <p:blipFill>
+          <a:blip r:embed="rId2">
+            <a:extLst>
+              <a:ext uri="{28A0092B-C50C-407E-A947-70E740481C1C}">
+                <a14:useLocalDpi xmlns:a14="http://schemas.microsoft.com/office/drawing/2010/main" val="0"/>
+              </a:ext>
+            </a:extLst>
+          </a:blip>
+          <a:srcRect/>
+          <a:stretch>
+            <a:fillRect/>
+          </a:stretch>
+        </p:blipFill>
+        <p:spPr bwMode="auto">
+          <a:xfrm>
+            <a:off x="1057096" y="211003"/>
+            <a:ext cx="6210300" cy="5743576"/>
+          </a:xfrm>
+          <a:prstGeom prst="rect">
+            <a:avLst/>
+          </a:prstGeom>
+          <a:noFill/>
+          <a:extLst>
+            <a:ext uri="{909E8E84-426E-40DD-AFC4-6F175D3DCCD1}">
+              <a14:hiddenFill xmlns:a14="http://schemas.microsoft.com/office/drawing/2010/main">
+                <a:solidFill>
+                  <a:srgbClr val="FFFFFF"/>
+                </a:solidFill>
+              </a14:hiddenFill>
+            </a:ext>
+          </a:extLst>
+        </p:spPr>
+      </p:pic>
+    </p:spTree>
+    <p:extLst>
+      <p:ext uri="{BB962C8B-B14F-4D97-AF65-F5344CB8AC3E}">
+        <p14:creationId xmlns:p14="http://schemas.microsoft.com/office/powerpoint/2010/main" val="2840659134"/>
+      </p:ext>
+    </p:extLst>
+  </p:cSld>
+  <p:clrMapOvr>
+    <a:masterClrMapping/>
+  </p:clrMapOvr>
+  <p:timing>
+    <p:tnLst>
+      <p:par>
+        <p:cTn id="1" dur="indefinite" restart="never" nodeType="tmRoot"/>
+      </p:par>
+    </p:tnLst>
+  </p:timing>
+</p:sld>
+</file>
+
+<file path=ppt/slides/slide24.xml><?xml version="1.0" encoding="utf-8"?>
+<p:sld xmlns:a="http://schemas.openxmlformats.org/drawingml/2006/main" xmlns:r="http://schemas.openxmlformats.org/officeDocument/2006/relationships" xmlns:p="http://schemas.openxmlformats.org/presentationml/2006/main">
+  <p:cSld>
+    <p:spTree>
+      <p:nvGrpSpPr>
+        <p:cNvPr id="1" name=""/>
+        <p:cNvGrpSpPr/>
+        <p:nvPr/>
+      </p:nvGrpSpPr>
+      <p:grpSpPr>
+        <a:xfrm>
+          <a:off x="0" y="0"/>
+          <a:ext cx="0" cy="0"/>
+          <a:chOff x="0" y="0"/>
+          <a:chExt cx="0" cy="0"/>
+        </a:xfrm>
+      </p:grpSpPr>
+      <p:sp>
+        <p:nvSpPr>
+          <p:cNvPr id="3" name="Subtitle 2"/>
+          <p:cNvSpPr>
+            <a:spLocks noGrp="1"/>
+          </p:cNvSpPr>
+          <p:nvPr>
+            <p:ph type="subTitle" idx="1"/>
+          </p:nvPr>
+        </p:nvSpPr>
+        <p:spPr>
+          <a:xfrm>
+            <a:off x="1524000" y="430305"/>
+            <a:ext cx="9144000" cy="6131859"/>
+          </a:xfrm>
+        </p:spPr>
+        <p:txBody>
+          <a:bodyPr>
+            <a:normAutofit/>
+          </a:bodyPr>
+          <a:lstStyle/>
+          <a:p>
+            <a:pPr algn="l"/>
+            <a:endParaRPr lang="en-US" altLang="zh-CN" sz="1800" dirty="0" smtClean="0"/>
+          </a:p>
+        </p:txBody>
+      </p:sp>
+      <p:pic>
+        <p:nvPicPr>
+          <p:cNvPr id="9218" name="Picture 2" descr="QQ截图20160505235204_3.png"/>
+          <p:cNvPicPr>
+            <a:picLocks noChangeAspect="1" noChangeArrowheads="1"/>
+          </p:cNvPicPr>
+          <p:nvPr/>
+        </p:nvPicPr>
+        <p:blipFill>
+          <a:blip r:embed="rId2">
+            <a:extLst>
+              <a:ext uri="{28A0092B-C50C-407E-A947-70E740481C1C}">
+                <a14:useLocalDpi xmlns:a14="http://schemas.microsoft.com/office/drawing/2010/main" val="0"/>
+              </a:ext>
+            </a:extLst>
+          </a:blip>
+          <a:srcRect/>
+          <a:stretch>
+            <a:fillRect/>
+          </a:stretch>
+        </p:blipFill>
+        <p:spPr bwMode="auto">
+          <a:xfrm>
+            <a:off x="1057096" y="285906"/>
+            <a:ext cx="7620000" cy="4905376"/>
+          </a:xfrm>
+          <a:prstGeom prst="rect">
+            <a:avLst/>
+          </a:prstGeom>
+          <a:noFill/>
+          <a:extLst>
+            <a:ext uri="{909E8E84-426E-40DD-AFC4-6F175D3DCCD1}">
+              <a14:hiddenFill xmlns:a14="http://schemas.microsoft.com/office/drawing/2010/main">
+                <a:solidFill>
+                  <a:srgbClr val="FFFFFF"/>
+                </a:solidFill>
+              </a14:hiddenFill>
+            </a:ext>
+          </a:extLst>
+        </p:spPr>
+      </p:pic>
+    </p:spTree>
+    <p:extLst>
+      <p:ext uri="{BB962C8B-B14F-4D97-AF65-F5344CB8AC3E}">
+        <p14:creationId xmlns:p14="http://schemas.microsoft.com/office/powerpoint/2010/main" val="793968262"/>
+      </p:ext>
+    </p:extLst>
+  </p:cSld>
+  <p:clrMapOvr>
+    <a:masterClrMapping/>
+  </p:clrMapOvr>
+  <p:timing>
+    <p:tnLst>
+      <p:par>
+        <p:cTn id="1" dur="indefinite" restart="never" nodeType="tmRoot"/>
+      </p:par>
+    </p:tnLst>
+  </p:timing>
+</p:sld>
+</file>
+
+<file path=ppt/slides/slide25.xml><?xml version="1.0" encoding="utf-8"?>
+<p:sld xmlns:a="http://schemas.openxmlformats.org/drawingml/2006/main" xmlns:r="http://schemas.openxmlformats.org/officeDocument/2006/relationships" xmlns:p="http://schemas.openxmlformats.org/presentationml/2006/main">
+  <p:cSld>
+    <p:spTree>
+      <p:nvGrpSpPr>
+        <p:cNvPr id="1" name=""/>
+        <p:cNvGrpSpPr/>
+        <p:nvPr/>
+      </p:nvGrpSpPr>
+      <p:grpSpPr>
+        <a:xfrm>
+          <a:off x="0" y="0"/>
+          <a:ext cx="0" cy="0"/>
+          <a:chOff x="0" y="0"/>
+          <a:chExt cx="0" cy="0"/>
+        </a:xfrm>
+      </p:grpSpPr>
+      <p:sp>
+        <p:nvSpPr>
+          <p:cNvPr id="3" name="Subtitle 2"/>
+          <p:cNvSpPr>
+            <a:spLocks noGrp="1"/>
+          </p:cNvSpPr>
+          <p:nvPr>
+            <p:ph type="subTitle" idx="1"/>
+          </p:nvPr>
+        </p:nvSpPr>
+        <p:spPr>
+          <a:xfrm>
+            <a:off x="1524000" y="430305"/>
+            <a:ext cx="9144000" cy="6131859"/>
+          </a:xfrm>
+        </p:spPr>
+        <p:txBody>
+          <a:bodyPr>
+            <a:normAutofit/>
+          </a:bodyPr>
+          <a:lstStyle/>
+          <a:p>
+            <a:pPr algn="l"/>
+            <a:endParaRPr lang="en-US" altLang="zh-CN" sz="1800" dirty="0" smtClean="0"/>
+          </a:p>
+        </p:txBody>
+      </p:sp>
+      <p:pic>
+        <p:nvPicPr>
+          <p:cNvPr id="10242" name="Picture 2" descr="QQ截图20160505235504.png"/>
+          <p:cNvPicPr>
+            <a:picLocks noChangeAspect="1" noChangeArrowheads="1"/>
+          </p:cNvPicPr>
+          <p:nvPr/>
+        </p:nvPicPr>
+        <p:blipFill>
+          <a:blip r:embed="rId2">
+            <a:extLst>
+              <a:ext uri="{28A0092B-C50C-407E-A947-70E740481C1C}">
+                <a14:useLocalDpi xmlns:a14="http://schemas.microsoft.com/office/drawing/2010/main" val="0"/>
+              </a:ext>
+            </a:extLst>
+          </a:blip>
+          <a:srcRect/>
+          <a:stretch>
+            <a:fillRect/>
+          </a:stretch>
+        </p:blipFill>
+        <p:spPr bwMode="auto">
+          <a:xfrm>
+            <a:off x="1185885" y="164093"/>
+            <a:ext cx="5476875" cy="5943601"/>
+          </a:xfrm>
+          <a:prstGeom prst="rect">
+            <a:avLst/>
+          </a:prstGeom>
+          <a:noFill/>
+          <a:extLst>
+            <a:ext uri="{909E8E84-426E-40DD-AFC4-6F175D3DCCD1}">
+              <a14:hiddenFill xmlns:a14="http://schemas.microsoft.com/office/drawing/2010/main">
+                <a:solidFill>
+                  <a:srgbClr val="FFFFFF"/>
+                </a:solidFill>
+              </a14:hiddenFill>
+            </a:ext>
+          </a:extLst>
+        </p:spPr>
+      </p:pic>
+    </p:spTree>
+    <p:extLst>
+      <p:ext uri="{BB962C8B-B14F-4D97-AF65-F5344CB8AC3E}">
+        <p14:creationId xmlns:p14="http://schemas.microsoft.com/office/powerpoint/2010/main" val="1306529943"/>
+      </p:ext>
+    </p:extLst>
+  </p:cSld>
+  <p:clrMapOvr>
+    <a:masterClrMapping/>
+  </p:clrMapOvr>
+  <p:timing>
+    <p:tnLst>
+      <p:par>
+        <p:cTn id="1" dur="indefinite" restart="never" nodeType="tmRoot"/>
+      </p:par>
+    </p:tnLst>
+  </p:timing>
+</p:sld>
+</file>
+
+<file path=ppt/slides/slide26.xml><?xml version="1.0" encoding="utf-8"?>
+<p:sld xmlns:a="http://schemas.openxmlformats.org/drawingml/2006/main" xmlns:r="http://schemas.openxmlformats.org/officeDocument/2006/relationships" xmlns:p="http://schemas.openxmlformats.org/presentationml/2006/main">
+  <p:cSld>
+    <p:spTree>
+      <p:nvGrpSpPr>
+        <p:cNvPr id="1" name=""/>
+        <p:cNvGrpSpPr/>
+        <p:nvPr/>
+      </p:nvGrpSpPr>
+      <p:grpSpPr>
+        <a:xfrm>
+          <a:off x="0" y="0"/>
+          <a:ext cx="0" cy="0"/>
+          <a:chOff x="0" y="0"/>
+          <a:chExt cx="0" cy="0"/>
+        </a:xfrm>
+      </p:grpSpPr>
+      <p:sp>
+        <p:nvSpPr>
+          <p:cNvPr id="3" name="Subtitle 2"/>
+          <p:cNvSpPr>
+            <a:spLocks noGrp="1"/>
+          </p:cNvSpPr>
+          <p:nvPr>
+            <p:ph type="subTitle" idx="1"/>
+          </p:nvPr>
+        </p:nvSpPr>
+        <p:spPr>
+          <a:xfrm>
+            <a:off x="1524000" y="430305"/>
+            <a:ext cx="9144000" cy="6131859"/>
+          </a:xfrm>
+        </p:spPr>
+        <p:txBody>
+          <a:bodyPr>
+            <a:normAutofit/>
+          </a:bodyPr>
+          <a:lstStyle/>
+          <a:p>
+            <a:pPr algn="l"/>
+            <a:endParaRPr lang="en-US" altLang="zh-CN" sz="1800" dirty="0" smtClean="0"/>
+          </a:p>
+        </p:txBody>
+      </p:sp>
+      <p:pic>
+        <p:nvPicPr>
+          <p:cNvPr id="11266" name="Picture 2" descr="QQ截图20160505235904.png"/>
+          <p:cNvPicPr>
+            <a:picLocks noChangeAspect="1" noChangeArrowheads="1"/>
+          </p:cNvPicPr>
+          <p:nvPr/>
+        </p:nvPicPr>
+        <p:blipFill>
+          <a:blip r:embed="rId2">
+            <a:extLst>
+              <a:ext uri="{28A0092B-C50C-407E-A947-70E740481C1C}">
+                <a14:useLocalDpi xmlns:a14="http://schemas.microsoft.com/office/drawing/2010/main" val="0"/>
+              </a:ext>
+            </a:extLst>
+          </a:blip>
+          <a:srcRect/>
+          <a:stretch>
+            <a:fillRect/>
+          </a:stretch>
+        </p:blipFill>
+        <p:spPr bwMode="auto">
+          <a:xfrm>
+            <a:off x="1185885" y="149291"/>
+            <a:ext cx="5324475" cy="6134101"/>
+          </a:xfrm>
+          <a:prstGeom prst="rect">
+            <a:avLst/>
+          </a:prstGeom>
+          <a:noFill/>
+          <a:extLst>
+            <a:ext uri="{909E8E84-426E-40DD-AFC4-6F175D3DCCD1}">
+              <a14:hiddenFill xmlns:a14="http://schemas.microsoft.com/office/drawing/2010/main">
+                <a:solidFill>
+                  <a:srgbClr val="FFFFFF"/>
+                </a:solidFill>
+              </a14:hiddenFill>
+            </a:ext>
+          </a:extLst>
+        </p:spPr>
+      </p:pic>
+    </p:spTree>
+    <p:extLst>
+      <p:ext uri="{BB962C8B-B14F-4D97-AF65-F5344CB8AC3E}">
+        <p14:creationId xmlns:p14="http://schemas.microsoft.com/office/powerpoint/2010/main" val="1721166838"/>
+      </p:ext>
+    </p:extLst>
+  </p:cSld>
+  <p:clrMapOvr>
+    <a:masterClrMapping/>
+  </p:clrMapOvr>
+  <p:timing>
+    <p:tnLst>
+      <p:par>
+        <p:cTn id="1" dur="indefinite" restart="never" nodeType="tmRoot"/>
+      </p:par>
+    </p:tnLst>
+  </p:timing>
+</p:sld>
+</file>
+
+<file path=ppt/slides/slide27.xml><?xml version="1.0" encoding="utf-8"?>
+<p:sld xmlns:a="http://schemas.openxmlformats.org/drawingml/2006/main" xmlns:r="http://schemas.openxmlformats.org/officeDocument/2006/relationships" xmlns:p="http://schemas.openxmlformats.org/presentationml/2006/main">
+  <p:cSld>
+    <p:spTree>
+      <p:nvGrpSpPr>
+        <p:cNvPr id="1" name=""/>
+        <p:cNvGrpSpPr/>
+        <p:nvPr/>
+      </p:nvGrpSpPr>
+      <p:grpSpPr>
+        <a:xfrm>
+          <a:off x="0" y="0"/>
+          <a:ext cx="0" cy="0"/>
+          <a:chOff x="0" y="0"/>
+          <a:chExt cx="0" cy="0"/>
+        </a:xfrm>
+      </p:grpSpPr>
+      <p:sp>
+        <p:nvSpPr>
+          <p:cNvPr id="3" name="Subtitle 2"/>
+          <p:cNvSpPr>
+            <a:spLocks noGrp="1"/>
+          </p:cNvSpPr>
+          <p:nvPr>
+            <p:ph type="subTitle" idx="1"/>
+          </p:nvPr>
+        </p:nvSpPr>
+        <p:spPr>
+          <a:xfrm>
+            <a:off x="1524000" y="430305"/>
+            <a:ext cx="9144000" cy="6131859"/>
+          </a:xfrm>
+        </p:spPr>
+        <p:txBody>
+          <a:bodyPr>
+            <a:normAutofit/>
+          </a:bodyPr>
+          <a:lstStyle/>
+          <a:p>
+            <a:pPr algn="l"/>
+            <a:endParaRPr lang="en-US" altLang="zh-CN" sz="1800" dirty="0" smtClean="0"/>
+          </a:p>
+        </p:txBody>
+      </p:sp>
+      <p:pic>
+        <p:nvPicPr>
+          <p:cNvPr id="12290" name="Picture 2" descr="QQ截图20160505235950_4.png"/>
+          <p:cNvPicPr>
+            <a:picLocks noChangeAspect="1" noChangeArrowheads="1"/>
+          </p:cNvPicPr>
+          <p:nvPr/>
+        </p:nvPicPr>
+        <p:blipFill>
+          <a:blip r:embed="rId2">
+            <a:extLst>
+              <a:ext uri="{28A0092B-C50C-407E-A947-70E740481C1C}">
+                <a14:useLocalDpi xmlns:a14="http://schemas.microsoft.com/office/drawing/2010/main" val="0"/>
+              </a:ext>
+            </a:extLst>
+          </a:blip>
+          <a:srcRect/>
+          <a:stretch>
+            <a:fillRect/>
+          </a:stretch>
+        </p:blipFill>
+        <p:spPr bwMode="auto">
+          <a:xfrm>
+            <a:off x="1185885" y="209393"/>
+            <a:ext cx="4800600" cy="5505451"/>
+          </a:xfrm>
+          <a:prstGeom prst="rect">
+            <a:avLst/>
+          </a:prstGeom>
+          <a:noFill/>
+          <a:extLst>
+            <a:ext uri="{909E8E84-426E-40DD-AFC4-6F175D3DCCD1}">
+              <a14:hiddenFill xmlns:a14="http://schemas.microsoft.com/office/drawing/2010/main">
+                <a:solidFill>
+                  <a:srgbClr val="FFFFFF"/>
+                </a:solidFill>
+              </a14:hiddenFill>
+            </a:ext>
+          </a:extLst>
+        </p:spPr>
+      </p:pic>
+    </p:spTree>
+    <p:extLst>
+      <p:ext uri="{BB962C8B-B14F-4D97-AF65-F5344CB8AC3E}">
+        <p14:creationId xmlns:p14="http://schemas.microsoft.com/office/powerpoint/2010/main" val="3857995557"/>
+      </p:ext>
+    </p:extLst>
+  </p:cSld>
+  <p:clrMapOvr>
+    <a:masterClrMapping/>
+  </p:clrMapOvr>
+  <p:timing>
+    <p:tnLst>
+      <p:par>
+        <p:cTn id="1" dur="indefinite" restart="never" nodeType="tmRoot"/>
+      </p:par>
+    </p:tnLst>
+  </p:timing>
+</p:sld>
+</file>
+
+<file path=ppt/slides/slide28.xml><?xml version="1.0" encoding="utf-8"?>
+<p:sld xmlns:a="http://schemas.openxmlformats.org/drawingml/2006/main" xmlns:r="http://schemas.openxmlformats.org/officeDocument/2006/relationships" xmlns:p="http://schemas.openxmlformats.org/presentationml/2006/main">
+  <p:cSld>
+    <p:spTree>
+      <p:nvGrpSpPr>
+        <p:cNvPr id="1" name=""/>
+        <p:cNvGrpSpPr/>
+        <p:nvPr/>
+      </p:nvGrpSpPr>
+      <p:grpSpPr>
+        <a:xfrm>
+          <a:off x="0" y="0"/>
+          <a:ext cx="0" cy="0"/>
+          <a:chOff x="0" y="0"/>
+          <a:chExt cx="0" cy="0"/>
+        </a:xfrm>
+      </p:grpSpPr>
+      <p:sp>
+        <p:nvSpPr>
+          <p:cNvPr id="3" name="Subtitle 2"/>
+          <p:cNvSpPr>
+            <a:spLocks noGrp="1"/>
+          </p:cNvSpPr>
+          <p:nvPr>
+            <p:ph type="subTitle" idx="1"/>
+          </p:nvPr>
+        </p:nvSpPr>
+        <p:spPr>
+          <a:xfrm>
+            <a:off x="1524000" y="430305"/>
+            <a:ext cx="9144000" cy="6131859"/>
+          </a:xfrm>
+        </p:spPr>
+        <p:txBody>
+          <a:bodyPr>
+            <a:normAutofit/>
+          </a:bodyPr>
+          <a:lstStyle/>
+          <a:p>
+            <a:pPr algn="l"/>
+            <a:endParaRPr lang="en-US" altLang="zh-CN" sz="1800" dirty="0" smtClean="0"/>
+          </a:p>
+        </p:txBody>
+      </p:sp>
+      <p:pic>
+        <p:nvPicPr>
+          <p:cNvPr id="13314" name="Picture 2" descr="QQ截图20160506000038_5.png"/>
+          <p:cNvPicPr>
+            <a:picLocks noChangeAspect="1" noChangeArrowheads="1"/>
+          </p:cNvPicPr>
+          <p:nvPr/>
+        </p:nvPicPr>
+        <p:blipFill>
+          <a:blip r:embed="rId2">
+            <a:extLst>
+              <a:ext uri="{28A0092B-C50C-407E-A947-70E740481C1C}">
+                <a14:useLocalDpi xmlns:a14="http://schemas.microsoft.com/office/drawing/2010/main" val="0"/>
+              </a:ext>
+            </a:extLst>
+          </a:blip>
+          <a:srcRect/>
+          <a:stretch>
+            <a:fillRect/>
+          </a:stretch>
+        </p:blipFill>
+        <p:spPr bwMode="auto">
+          <a:xfrm>
+            <a:off x="1288916" y="161634"/>
+            <a:ext cx="5457825" cy="6048376"/>
+          </a:xfrm>
+          <a:prstGeom prst="rect">
+            <a:avLst/>
+          </a:prstGeom>
+          <a:noFill/>
+          <a:extLst>
+            <a:ext uri="{909E8E84-426E-40DD-AFC4-6F175D3DCCD1}">
+              <a14:hiddenFill xmlns:a14="http://schemas.microsoft.com/office/drawing/2010/main">
+                <a:solidFill>
+                  <a:srgbClr val="FFFFFF"/>
+                </a:solidFill>
+              </a14:hiddenFill>
+            </a:ext>
+          </a:extLst>
+        </p:spPr>
+      </p:pic>
+    </p:spTree>
+    <p:extLst>
+      <p:ext uri="{BB962C8B-B14F-4D97-AF65-F5344CB8AC3E}">
+        <p14:creationId xmlns:p14="http://schemas.microsoft.com/office/powerpoint/2010/main" val="2992635189"/>
       </p:ext>
     </p:extLst>
   </p:cSld>
@@ -3924,6 +6646,13 @@
           <a:lstStyle/>
           <a:p>
             <a:pPr algn="l"/>
+            <a:r>
+              <a:rPr lang="en-US" altLang="zh-CN" sz="1800" dirty="0" smtClean="0"/>
+              <a:t>GIT</a:t>
+            </a:r>
+          </a:p>
+          <a:p>
+            <a:pPr algn="l"/>
             <a:endParaRPr lang="en-US" altLang="zh-CN" sz="1800" dirty="0" smtClean="0"/>
           </a:p>
         </p:txBody>
@@ -3931,7 +6660,7 @@
     </p:spTree>
     <p:extLst>
       <p:ext uri="{BB962C8B-B14F-4D97-AF65-F5344CB8AC3E}">
-        <p14:creationId xmlns:p14="http://schemas.microsoft.com/office/powerpoint/2010/main" val="2102480187"/>
+        <p14:creationId xmlns:p14="http://schemas.microsoft.com/office/powerpoint/2010/main" val="373673993"/>
       </p:ext>
     </p:extLst>
   </p:cSld>
@@ -3988,6 +6717,113 @@
           <a:lstStyle/>
           <a:p>
             <a:pPr algn="l"/>
+            <a:r>
+              <a:rPr lang="zh-CN" altLang="en-US" sz="1800" dirty="0"/>
+              <a:t>不采用源代码管理工具会出现什么问</a:t>
+            </a:r>
+            <a:r>
+              <a:rPr lang="zh-CN" altLang="en-US" sz="1800" dirty="0" smtClean="0"/>
+              <a:t>题</a:t>
+            </a:r>
+            <a:endParaRPr lang="en-CA" altLang="zh-CN" sz="1800" dirty="0" smtClean="0"/>
+          </a:p>
+          <a:p>
+            <a:pPr algn="l"/>
+            <a:endParaRPr lang="en-CA" altLang="zh-CN" sz="1800" dirty="0"/>
+          </a:p>
+          <a:p>
+            <a:pPr algn="l"/>
+            <a:r>
+              <a:rPr lang="en-US" altLang="zh-CN" sz="1800" dirty="0"/>
+              <a:t>1</a:t>
+            </a:r>
+            <a:r>
+              <a:rPr lang="zh-CN" altLang="en-US" sz="1800" dirty="0"/>
+              <a:t>、无法后悔：做错了一个操作后，没有后悔药可以吃</a:t>
+            </a:r>
+          </a:p>
+          <a:p>
+            <a:pPr algn="l"/>
+            <a:endParaRPr lang="zh-CN" altLang="en-US" sz="1800" dirty="0"/>
+          </a:p>
+          <a:p>
+            <a:pPr algn="l"/>
+            <a:r>
+              <a:rPr lang="en-US" altLang="zh-CN" sz="1800" dirty="0"/>
+              <a:t>2</a:t>
+            </a:r>
+            <a:r>
+              <a:rPr lang="zh-CN" altLang="en-US" sz="1800" dirty="0"/>
+              <a:t>、版本备份：费空间、费时间</a:t>
+            </a:r>
+          </a:p>
+          <a:p>
+            <a:pPr algn="l"/>
+            <a:endParaRPr lang="zh-CN" altLang="en-US" sz="1800" dirty="0"/>
+          </a:p>
+          <a:p>
+            <a:pPr algn="l"/>
+            <a:r>
+              <a:rPr lang="en-US" altLang="zh-CN" sz="1800" dirty="0"/>
+              <a:t>3</a:t>
+            </a:r>
+            <a:r>
+              <a:rPr lang="zh-CN" altLang="en-US" sz="1800" dirty="0"/>
+              <a:t>、版本混乱：因版本备份过多造成混乱，难以找回正确的想要的版本</a:t>
+            </a:r>
+          </a:p>
+          <a:p>
+            <a:pPr algn="l"/>
+            <a:endParaRPr lang="zh-CN" altLang="en-US" sz="1800" dirty="0"/>
+          </a:p>
+          <a:p>
+            <a:pPr algn="l"/>
+            <a:r>
+              <a:rPr lang="en-US" altLang="zh-CN" sz="1800" dirty="0"/>
+              <a:t>4</a:t>
+            </a:r>
+            <a:r>
+              <a:rPr lang="zh-CN" altLang="en-US" sz="1800" dirty="0"/>
+              <a:t>、代码冲突：多人操作同一个文件，团队开发中的常见问题</a:t>
+            </a:r>
+          </a:p>
+          <a:p>
+            <a:pPr algn="l"/>
+            <a:endParaRPr lang="zh-CN" altLang="en-US" sz="1800" dirty="0"/>
+          </a:p>
+          <a:p>
+            <a:pPr algn="l"/>
+            <a:r>
+              <a:rPr lang="en-US" altLang="zh-CN" sz="1800" dirty="0"/>
+              <a:t>5</a:t>
+            </a:r>
+            <a:r>
+              <a:rPr lang="zh-CN" altLang="en-US" sz="1800" dirty="0"/>
+              <a:t>、权限控制：无法对源代码进行精确的权限控制</a:t>
+            </a:r>
+          </a:p>
+          <a:p>
+            <a:pPr algn="l"/>
+            <a:endParaRPr lang="zh-CN" altLang="en-US" sz="1800" dirty="0"/>
+          </a:p>
+          <a:p>
+            <a:pPr algn="l"/>
+            <a:r>
+              <a:rPr lang="en-US" altLang="zh-CN" sz="1800" dirty="0"/>
+              <a:t>6</a:t>
+            </a:r>
+            <a:r>
+              <a:rPr lang="zh-CN" altLang="en-US" sz="1800" dirty="0"/>
+              <a:t>、追究责任：出现严重的</a:t>
+            </a:r>
+            <a:r>
+              <a:rPr lang="en-US" altLang="zh-CN" sz="1800" dirty="0"/>
+              <a:t>bug</a:t>
+            </a:r>
+            <a:r>
+              <a:rPr lang="zh-CN" altLang="en-US" sz="1800" dirty="0"/>
+              <a:t>，无法得知是谁干的，容易耍赖</a:t>
+            </a:r>
             <a:endParaRPr lang="en-US" altLang="zh-CN" sz="1800" dirty="0" smtClean="0"/>
           </a:p>
         </p:txBody>
@@ -3995,7 +6831,7 @@
     </p:spTree>
     <p:extLst>
       <p:ext uri="{BB962C8B-B14F-4D97-AF65-F5344CB8AC3E}">
-        <p14:creationId xmlns:p14="http://schemas.microsoft.com/office/powerpoint/2010/main" val="1478274528"/>
+        <p14:creationId xmlns:p14="http://schemas.microsoft.com/office/powerpoint/2010/main" val="2102480187"/>
       </p:ext>
     </p:extLst>
   </p:cSld>
@@ -4052,6 +6888,64 @@
           <a:lstStyle/>
           <a:p>
             <a:pPr algn="l"/>
+            <a:r>
+              <a:rPr lang="zh-CN" altLang="en-US" sz="1800" dirty="0"/>
+              <a:t>源代码管理</a:t>
+            </a:r>
+            <a:r>
+              <a:rPr lang="zh-CN" altLang="en-US" sz="1800" dirty="0" smtClean="0"/>
+              <a:t>的作用</a:t>
+            </a:r>
+            <a:endParaRPr lang="en-CA" altLang="zh-CN" sz="1800" dirty="0" smtClean="0"/>
+          </a:p>
+          <a:p>
+            <a:pPr algn="l"/>
+            <a:r>
+              <a:rPr lang="en-US" altLang="zh-CN" sz="1800" dirty="0"/>
+              <a:t>1</a:t>
+            </a:r>
+            <a:r>
+              <a:rPr lang="zh-CN" altLang="en-US" sz="1800" dirty="0"/>
+              <a:t>、能追踪一个项目从诞生一直到定案的过程</a:t>
+            </a:r>
+          </a:p>
+          <a:p>
+            <a:pPr algn="l"/>
+            <a:endParaRPr lang="zh-CN" altLang="en-US" sz="1800" dirty="0"/>
+          </a:p>
+          <a:p>
+            <a:pPr algn="l"/>
+            <a:r>
+              <a:rPr lang="en-US" altLang="zh-CN" sz="1800" dirty="0"/>
+              <a:t>2</a:t>
+            </a:r>
+            <a:r>
+              <a:rPr lang="zh-CN" altLang="en-US" sz="1800" dirty="0"/>
+              <a:t>、记录一个项目的所有内容变化</a:t>
+            </a:r>
+          </a:p>
+          <a:p>
+            <a:pPr algn="l"/>
+            <a:endParaRPr lang="zh-CN" altLang="en-US" sz="1800" dirty="0"/>
+          </a:p>
+          <a:p>
+            <a:pPr algn="l"/>
+            <a:r>
+              <a:rPr lang="en-US" altLang="zh-CN" sz="1800" dirty="0"/>
+              <a:t>3</a:t>
+            </a:r>
+            <a:r>
+              <a:rPr lang="zh-CN" altLang="en-US" sz="1800" dirty="0"/>
+              <a:t>、方便查阅特定版本的修订情</a:t>
+            </a:r>
+            <a:r>
+              <a:rPr lang="zh-CN" altLang="en-US" sz="1800" dirty="0" smtClean="0"/>
+              <a:t>况</a:t>
+            </a:r>
+            <a:endParaRPr lang="en-CA" altLang="zh-CN" sz="1800" dirty="0" smtClean="0"/>
+          </a:p>
+          <a:p>
+            <a:pPr algn="l"/>
             <a:endParaRPr lang="en-US" altLang="zh-CN" sz="1800" dirty="0" smtClean="0"/>
           </a:p>
         </p:txBody>
@@ -4059,7 +6953,7 @@
     </p:spTree>
     <p:extLst>
       <p:ext uri="{BB962C8B-B14F-4D97-AF65-F5344CB8AC3E}">
-        <p14:creationId xmlns:p14="http://schemas.microsoft.com/office/powerpoint/2010/main" val="2244497658"/>
+        <p14:creationId xmlns:p14="http://schemas.microsoft.com/office/powerpoint/2010/main" val="1478274528"/>
       </p:ext>
     </p:extLst>
   </p:cSld>
